--- a/docs/argonne_weekly_update.pptx
+++ b/docs/argonne_weekly_update.pptx
@@ -19,6 +19,7 @@
     <p:sldId id="266" r:id="rId13"/>
     <p:sldId id="268" r:id="rId14"/>
     <p:sldId id="269" r:id="rId15"/>
+    <p:sldId id="270" r:id="rId16"/>
   </p:sldIdLst>
   <p:sldSz cx="9144000" cy="6858000" type="screen4x3"/>
   <p:notesSz cx="6858000" cy="9144000"/>
@@ -136,6 +137,7 @@
             <p14:sldId id="266"/>
             <p14:sldId id="268"/>
             <p14:sldId id="269"/>
+            <p14:sldId id="270"/>
           </p14:sldIdLst>
         </p14:section>
       </p14:sectionLst>
@@ -325,7 +327,7 @@
           <a:p>
             <a:fld id="{845E5202-FE1C-7248-B986-0C23BA3B595C}" type="datetimeFigureOut">
               <a:rPr lang="en-US" smtClean="0"/>
-              <a:t>12/5/14</a:t>
+              <a:t>12/19/14</a:t>
             </a:fld>
             <a:endParaRPr lang="en-US"/>
           </a:p>
@@ -495,7 +497,7 @@
           <a:p>
             <a:fld id="{845E5202-FE1C-7248-B986-0C23BA3B595C}" type="datetimeFigureOut">
               <a:rPr lang="en-US" smtClean="0"/>
-              <a:t>12/5/14</a:t>
+              <a:t>12/19/14</a:t>
             </a:fld>
             <a:endParaRPr lang="en-US"/>
           </a:p>
@@ -675,7 +677,7 @@
           <a:p>
             <a:fld id="{845E5202-FE1C-7248-B986-0C23BA3B595C}" type="datetimeFigureOut">
               <a:rPr lang="en-US" smtClean="0"/>
-              <a:t>12/5/14</a:t>
+              <a:t>12/19/14</a:t>
             </a:fld>
             <a:endParaRPr lang="en-US"/>
           </a:p>
@@ -845,7 +847,7 @@
           <a:p>
             <a:fld id="{845E5202-FE1C-7248-B986-0C23BA3B595C}" type="datetimeFigureOut">
               <a:rPr lang="en-US" smtClean="0"/>
-              <a:t>12/5/14</a:t>
+              <a:t>12/19/14</a:t>
             </a:fld>
             <a:endParaRPr lang="en-US"/>
           </a:p>
@@ -1091,7 +1093,7 @@
           <a:p>
             <a:fld id="{845E5202-FE1C-7248-B986-0C23BA3B595C}" type="datetimeFigureOut">
               <a:rPr lang="en-US" smtClean="0"/>
-              <a:t>12/5/14</a:t>
+              <a:t>12/19/14</a:t>
             </a:fld>
             <a:endParaRPr lang="en-US"/>
           </a:p>
@@ -1379,7 +1381,7 @@
           <a:p>
             <a:fld id="{845E5202-FE1C-7248-B986-0C23BA3B595C}" type="datetimeFigureOut">
               <a:rPr lang="en-US" smtClean="0"/>
-              <a:t>12/5/14</a:t>
+              <a:t>12/19/14</a:t>
             </a:fld>
             <a:endParaRPr lang="en-US"/>
           </a:p>
@@ -1801,7 +1803,7 @@
           <a:p>
             <a:fld id="{845E5202-FE1C-7248-B986-0C23BA3B595C}" type="datetimeFigureOut">
               <a:rPr lang="en-US" smtClean="0"/>
-              <a:t>12/5/14</a:t>
+              <a:t>12/19/14</a:t>
             </a:fld>
             <a:endParaRPr lang="en-US"/>
           </a:p>
@@ -1919,7 +1921,7 @@
           <a:p>
             <a:fld id="{845E5202-FE1C-7248-B986-0C23BA3B595C}" type="datetimeFigureOut">
               <a:rPr lang="en-US" smtClean="0"/>
-              <a:t>12/5/14</a:t>
+              <a:t>12/19/14</a:t>
             </a:fld>
             <a:endParaRPr lang="en-US"/>
           </a:p>
@@ -2014,7 +2016,7 @@
           <a:p>
             <a:fld id="{845E5202-FE1C-7248-B986-0C23BA3B595C}" type="datetimeFigureOut">
               <a:rPr lang="en-US" smtClean="0"/>
-              <a:t>12/5/14</a:t>
+              <a:t>12/19/14</a:t>
             </a:fld>
             <a:endParaRPr lang="en-US"/>
           </a:p>
@@ -2291,7 +2293,7 @@
           <a:p>
             <a:fld id="{845E5202-FE1C-7248-B986-0C23BA3B595C}" type="datetimeFigureOut">
               <a:rPr lang="en-US" smtClean="0"/>
-              <a:t>12/5/14</a:t>
+              <a:t>12/19/14</a:t>
             </a:fld>
             <a:endParaRPr lang="en-US"/>
           </a:p>
@@ -2544,7 +2546,7 @@
           <a:p>
             <a:fld id="{845E5202-FE1C-7248-B986-0C23BA3B595C}" type="datetimeFigureOut">
               <a:rPr lang="en-US" smtClean="0"/>
-              <a:t>12/5/14</a:t>
+              <a:t>12/19/14</a:t>
             </a:fld>
             <a:endParaRPr lang="en-US"/>
           </a:p>
@@ -2757,7 +2759,7 @@
           <a:p>
             <a:fld id="{845E5202-FE1C-7248-B986-0C23BA3B595C}" type="datetimeFigureOut">
               <a:rPr lang="en-US" smtClean="0"/>
-              <a:t>12/5/14</a:t>
+              <a:t>12/19/14</a:t>
             </a:fld>
             <a:endParaRPr lang="en-US"/>
           </a:p>
@@ -4336,6 +4338,205 @@
 </p:sld>
 </file>
 
+<file path=ppt/slides/slide15.xml><?xml version="1.0" encoding="utf-8"?>
+<p:sld xmlns:a="http://schemas.openxmlformats.org/drawingml/2006/main" xmlns:r="http://schemas.openxmlformats.org/officeDocument/2006/relationships" xmlns:p="http://schemas.openxmlformats.org/presentationml/2006/main">
+  <p:cSld>
+    <p:spTree>
+      <p:nvGrpSpPr>
+        <p:cNvPr id="1" name=""/>
+        <p:cNvGrpSpPr/>
+        <p:nvPr/>
+      </p:nvGrpSpPr>
+      <p:grpSpPr>
+        <a:xfrm>
+          <a:off x="0" y="0"/>
+          <a:ext cx="0" cy="0"/>
+          <a:chOff x="0" y="0"/>
+          <a:chExt cx="0" cy="0"/>
+        </a:xfrm>
+      </p:grpSpPr>
+      <p:sp>
+        <p:nvSpPr>
+          <p:cNvPr id="2" name="Title 1"/>
+          <p:cNvSpPr>
+            <a:spLocks noGrp="1"/>
+          </p:cNvSpPr>
+          <p:nvPr>
+            <p:ph type="title"/>
+          </p:nvPr>
+        </p:nvSpPr>
+        <p:spPr/>
+        <p:txBody>
+          <a:bodyPr/>
+          <a:lstStyle/>
+          <a:p>
+            <a:r>
+              <a:rPr lang="en-US" dirty="0" smtClean="0"/>
+              <a:t>Update on Dec 19th</a:t>
+            </a:r>
+            <a:endParaRPr lang="en-US" dirty="0"/>
+          </a:p>
+        </p:txBody>
+      </p:sp>
+      <p:sp>
+        <p:nvSpPr>
+          <p:cNvPr id="3" name="Content Placeholder 2"/>
+          <p:cNvSpPr>
+            <a:spLocks noGrp="1"/>
+          </p:cNvSpPr>
+          <p:nvPr>
+            <p:ph idx="1"/>
+          </p:nvPr>
+        </p:nvSpPr>
+        <p:spPr/>
+        <p:txBody>
+          <a:bodyPr>
+            <a:normAutofit fontScale="85000" lnSpcReduction="20000"/>
+          </a:bodyPr>
+          <a:lstStyle/>
+          <a:p>
+            <a:r>
+              <a:rPr lang="en-US" dirty="0" smtClean="0"/>
+              <a:t>Implement: multiple paths data movement.</a:t>
+            </a:r>
+          </a:p>
+          <a:p>
+            <a:pPr lvl="1"/>
+            <a:r>
+              <a:rPr lang="en-US" dirty="0" smtClean="0"/>
+              <a:t>Single job, simple </a:t>
+            </a:r>
+            <a:r>
+              <a:rPr lang="en-US" dirty="0" err="1" smtClean="0"/>
+              <a:t>rput</a:t>
+            </a:r>
+            <a:r>
+              <a:rPr lang="en-US" dirty="0" smtClean="0"/>
+              <a:t>: ~1.7GB/s</a:t>
+            </a:r>
+          </a:p>
+          <a:p>
+            <a:pPr lvl="2"/>
+            <a:r>
+              <a:rPr lang="en-US" dirty="0" smtClean="0"/>
+              <a:t>0 to 1.</a:t>
+            </a:r>
+          </a:p>
+          <a:p>
+            <a:pPr lvl="2"/>
+            <a:r>
+              <a:rPr lang="en-US" dirty="0" smtClean="0"/>
+              <a:t>No copy, 1MB.</a:t>
+            </a:r>
+          </a:p>
+          <a:p>
+            <a:pPr lvl="1"/>
+            <a:r>
+              <a:rPr lang="en-US" dirty="0" smtClean="0"/>
+              <a:t>Single job, simple </a:t>
+            </a:r>
+            <a:r>
+              <a:rPr lang="en-US" dirty="0" err="1" smtClean="0"/>
+              <a:t>rput</a:t>
+            </a:r>
+            <a:r>
+              <a:rPr lang="en-US" dirty="0" smtClean="0"/>
+              <a:t> with </a:t>
+            </a:r>
+            <a:r>
+              <a:rPr lang="en-US" dirty="0"/>
+              <a:t>7</a:t>
+            </a:r>
+            <a:r>
+              <a:rPr lang="en-US" dirty="0" smtClean="0"/>
+              <a:t> hops (0-1-3-5-7-6-4-2): ~1.1GB/s.</a:t>
+            </a:r>
+          </a:p>
+          <a:p>
+            <a:pPr lvl="2"/>
+            <a:r>
+              <a:rPr lang="en-US" dirty="0" smtClean="0"/>
+              <a:t>32 nodes.</a:t>
+            </a:r>
+          </a:p>
+          <a:p>
+            <a:pPr lvl="2"/>
+            <a:r>
+              <a:rPr lang="en-US" dirty="0" smtClean="0"/>
+              <a:t>Pipeline, window size: 16KB.</a:t>
+            </a:r>
+          </a:p>
+          <a:p>
+            <a:pPr lvl="1"/>
+            <a:r>
+              <a:rPr lang="en-US" dirty="0" smtClean="0"/>
+              <a:t>2 jobs, simple </a:t>
+            </a:r>
+            <a:r>
+              <a:rPr lang="en-US" dirty="0" err="1" smtClean="0"/>
+              <a:t>rput</a:t>
+            </a:r>
+            <a:r>
+              <a:rPr lang="en-US" dirty="0" smtClean="0"/>
+              <a:t>, 7 hops: ~600MB/s per job.</a:t>
+            </a:r>
+          </a:p>
+          <a:p>
+            <a:pPr lvl="2"/>
+            <a:r>
+              <a:rPr lang="en-US" dirty="0"/>
+              <a:t>(0-1-3-5-7-6-4-2</a:t>
+            </a:r>
+            <a:r>
+              <a:rPr lang="en-US" dirty="0" smtClean="0"/>
+              <a:t>), (2-4-6-7-5-3-1-0).</a:t>
+            </a:r>
+          </a:p>
+          <a:p>
+            <a:pPr lvl="1"/>
+            <a:r>
+              <a:rPr lang="en-US" dirty="0" smtClean="0"/>
+              <a:t>Multiple jobs, simple </a:t>
+            </a:r>
+            <a:r>
+              <a:rPr lang="en-US" dirty="0" err="1" smtClean="0"/>
+              <a:t>rput</a:t>
+            </a:r>
+            <a:r>
+              <a:rPr lang="en-US" dirty="0" smtClean="0"/>
+              <a:t>:</a:t>
+            </a:r>
+          </a:p>
+          <a:p>
+            <a:pPr lvl="2"/>
+            <a:r>
+              <a:rPr lang="en-US" dirty="0" smtClean="0"/>
+              <a:t>256 – 4 data movement. </a:t>
+            </a:r>
+          </a:p>
+          <a:p>
+            <a:pPr lvl="2"/>
+            <a:r>
+              <a:rPr lang="en-US" smtClean="0"/>
+              <a:t>Error!</a:t>
+            </a:r>
+            <a:endParaRPr lang="en-US" dirty="0" smtClean="0"/>
+          </a:p>
+        </p:txBody>
+      </p:sp>
+    </p:spTree>
+    <p:extLst>
+      <p:ext uri="{BB962C8B-B14F-4D97-AF65-F5344CB8AC3E}">
+        <p14:creationId xmlns:p14="http://schemas.microsoft.com/office/powerpoint/2010/main" val="2877235777"/>
+      </p:ext>
+    </p:extLst>
+  </p:cSld>
+  <p:clrMapOvr>
+    <a:masterClrMapping/>
+  </p:clrMapOvr>
+</p:sld>
+</file>
+
 <file path=ppt/slides/slide2.xml><?xml version="1.0" encoding="utf-8"?>
 <p:sld xmlns:a="http://schemas.openxmlformats.org/drawingml/2006/main" xmlns:r="http://schemas.openxmlformats.org/officeDocument/2006/relationships" xmlns:p="http://schemas.openxmlformats.org/presentationml/2006/main">
   <p:cSld>

--- a/docs/argonne_weekly_update.pptx
+++ b/docs/argonne_weekly_update.pptx
@@ -20,6 +20,8 @@
     <p:sldId id="268" r:id="rId14"/>
     <p:sldId id="269" r:id="rId15"/>
     <p:sldId id="270" r:id="rId16"/>
+    <p:sldId id="271" r:id="rId17"/>
+    <p:sldId id="272" r:id="rId18"/>
   </p:sldIdLst>
   <p:sldSz cx="9144000" cy="6858000" type="screen4x3"/>
   <p:notesSz cx="6858000" cy="9144000"/>
@@ -138,6 +140,8 @@
             <p14:sldId id="268"/>
             <p14:sldId id="269"/>
             <p14:sldId id="270"/>
+            <p14:sldId id="271"/>
+            <p14:sldId id="272"/>
           </p14:sldIdLst>
         </p14:section>
       </p14:sectionLst>
@@ -327,7 +331,7 @@
           <a:p>
             <a:fld id="{845E5202-FE1C-7248-B986-0C23BA3B595C}" type="datetimeFigureOut">
               <a:rPr lang="en-US" smtClean="0"/>
-              <a:t>12/19/14</a:t>
+              <a:t>1/19/15</a:t>
             </a:fld>
             <a:endParaRPr lang="en-US"/>
           </a:p>
@@ -497,7 +501,7 @@
           <a:p>
             <a:fld id="{845E5202-FE1C-7248-B986-0C23BA3B595C}" type="datetimeFigureOut">
               <a:rPr lang="en-US" smtClean="0"/>
-              <a:t>12/19/14</a:t>
+              <a:t>1/19/15</a:t>
             </a:fld>
             <a:endParaRPr lang="en-US"/>
           </a:p>
@@ -677,7 +681,7 @@
           <a:p>
             <a:fld id="{845E5202-FE1C-7248-B986-0C23BA3B595C}" type="datetimeFigureOut">
               <a:rPr lang="en-US" smtClean="0"/>
-              <a:t>12/19/14</a:t>
+              <a:t>1/19/15</a:t>
             </a:fld>
             <a:endParaRPr lang="en-US"/>
           </a:p>
@@ -847,7 +851,7 @@
           <a:p>
             <a:fld id="{845E5202-FE1C-7248-B986-0C23BA3B595C}" type="datetimeFigureOut">
               <a:rPr lang="en-US" smtClean="0"/>
-              <a:t>12/19/14</a:t>
+              <a:t>1/19/15</a:t>
             </a:fld>
             <a:endParaRPr lang="en-US"/>
           </a:p>
@@ -1093,7 +1097,7 @@
           <a:p>
             <a:fld id="{845E5202-FE1C-7248-B986-0C23BA3B595C}" type="datetimeFigureOut">
               <a:rPr lang="en-US" smtClean="0"/>
-              <a:t>12/19/14</a:t>
+              <a:t>1/19/15</a:t>
             </a:fld>
             <a:endParaRPr lang="en-US"/>
           </a:p>
@@ -1381,7 +1385,7 @@
           <a:p>
             <a:fld id="{845E5202-FE1C-7248-B986-0C23BA3B595C}" type="datetimeFigureOut">
               <a:rPr lang="en-US" smtClean="0"/>
-              <a:t>12/19/14</a:t>
+              <a:t>1/19/15</a:t>
             </a:fld>
             <a:endParaRPr lang="en-US"/>
           </a:p>
@@ -1803,7 +1807,7 @@
           <a:p>
             <a:fld id="{845E5202-FE1C-7248-B986-0C23BA3B595C}" type="datetimeFigureOut">
               <a:rPr lang="en-US" smtClean="0"/>
-              <a:t>12/19/14</a:t>
+              <a:t>1/19/15</a:t>
             </a:fld>
             <a:endParaRPr lang="en-US"/>
           </a:p>
@@ -1921,7 +1925,7 @@
           <a:p>
             <a:fld id="{845E5202-FE1C-7248-B986-0C23BA3B595C}" type="datetimeFigureOut">
               <a:rPr lang="en-US" smtClean="0"/>
-              <a:t>12/19/14</a:t>
+              <a:t>1/19/15</a:t>
             </a:fld>
             <a:endParaRPr lang="en-US"/>
           </a:p>
@@ -2016,7 +2020,7 @@
           <a:p>
             <a:fld id="{845E5202-FE1C-7248-B986-0C23BA3B595C}" type="datetimeFigureOut">
               <a:rPr lang="en-US" smtClean="0"/>
-              <a:t>12/19/14</a:t>
+              <a:t>1/19/15</a:t>
             </a:fld>
             <a:endParaRPr lang="en-US"/>
           </a:p>
@@ -2293,7 +2297,7 @@
           <a:p>
             <a:fld id="{845E5202-FE1C-7248-B986-0C23BA3B595C}" type="datetimeFigureOut">
               <a:rPr lang="en-US" smtClean="0"/>
-              <a:t>12/19/14</a:t>
+              <a:t>1/19/15</a:t>
             </a:fld>
             <a:endParaRPr lang="en-US"/>
           </a:p>
@@ -2546,7 +2550,7 @@
           <a:p>
             <a:fld id="{845E5202-FE1C-7248-B986-0C23BA3B595C}" type="datetimeFigureOut">
               <a:rPr lang="en-US" smtClean="0"/>
-              <a:t>12/19/14</a:t>
+              <a:t>1/19/15</a:t>
             </a:fld>
             <a:endParaRPr lang="en-US"/>
           </a:p>
@@ -2759,7 +2763,7 @@
           <a:p>
             <a:fld id="{845E5202-FE1C-7248-B986-0C23BA3B595C}" type="datetimeFigureOut">
               <a:rPr lang="en-US" smtClean="0"/>
-              <a:t>12/19/14</a:t>
+              <a:t>1/19/15</a:t>
             </a:fld>
             <a:endParaRPr lang="en-US"/>
           </a:p>
@@ -4534,6 +4538,332 @@
   <p:clrMapOvr>
     <a:masterClrMapping/>
   </p:clrMapOvr>
+  <p:timing>
+    <p:tnLst>
+      <p:par>
+        <p:cTn xmlns:p14="http://schemas.microsoft.com/office/powerpoint/2010/main" id="1" dur="indefinite" restart="never" nodeType="tmRoot"/>
+      </p:par>
+    </p:tnLst>
+  </p:timing>
+</p:sld>
+</file>
+
+<file path=ppt/slides/slide16.xml><?xml version="1.0" encoding="utf-8"?>
+<p:sld xmlns:a="http://schemas.openxmlformats.org/drawingml/2006/main" xmlns:r="http://schemas.openxmlformats.org/officeDocument/2006/relationships" xmlns:p="http://schemas.openxmlformats.org/presentationml/2006/main">
+  <p:cSld>
+    <p:spTree>
+      <p:nvGrpSpPr>
+        <p:cNvPr id="1" name=""/>
+        <p:cNvGrpSpPr/>
+        <p:nvPr/>
+      </p:nvGrpSpPr>
+      <p:grpSpPr>
+        <a:xfrm>
+          <a:off x="0" y="0"/>
+          <a:ext cx="0" cy="0"/>
+          <a:chOff x="0" y="0"/>
+          <a:chExt cx="0" cy="0"/>
+        </a:xfrm>
+      </p:grpSpPr>
+      <p:sp>
+        <p:nvSpPr>
+          <p:cNvPr id="2" name="Title 1"/>
+          <p:cNvSpPr>
+            <a:spLocks noGrp="1"/>
+          </p:cNvSpPr>
+          <p:nvPr>
+            <p:ph type="title"/>
+          </p:nvPr>
+        </p:nvSpPr>
+        <p:spPr/>
+        <p:txBody>
+          <a:bodyPr/>
+          <a:lstStyle/>
+          <a:p>
+            <a:r>
+              <a:rPr lang="en-US" dirty="0" smtClean="0"/>
+              <a:t>Update Jan 19, 2015</a:t>
+            </a:r>
+            <a:endParaRPr lang="en-US" dirty="0"/>
+          </a:p>
+        </p:txBody>
+      </p:sp>
+      <p:sp>
+        <p:nvSpPr>
+          <p:cNvPr id="3" name="Content Placeholder 2"/>
+          <p:cNvSpPr>
+            <a:spLocks noGrp="1"/>
+          </p:cNvSpPr>
+          <p:nvPr>
+            <p:ph idx="1"/>
+          </p:nvPr>
+        </p:nvSpPr>
+        <p:spPr/>
+        <p:txBody>
+          <a:bodyPr>
+            <a:normAutofit fontScale="77500" lnSpcReduction="20000"/>
+          </a:bodyPr>
+          <a:lstStyle/>
+          <a:p>
+            <a:r>
+              <a:rPr lang="en-US" dirty="0" smtClean="0"/>
+              <a:t>Implemented 256 to 4 nodes data movement:</a:t>
+            </a:r>
+          </a:p>
+          <a:p>
+            <a:pPr lvl="1"/>
+            <a:r>
+              <a:rPr lang="en-US" dirty="0" smtClean="0"/>
+              <a:t>Every node in 256 nodes transfers 1M of data to all 4 </a:t>
+            </a:r>
+            <a:r>
+              <a:rPr lang="en-US" dirty="0" err="1" smtClean="0"/>
+              <a:t>dests</a:t>
+            </a:r>
+            <a:r>
+              <a:rPr lang="en-US" dirty="0" smtClean="0"/>
+              <a:t> (32, 96, 160, 224).</a:t>
+            </a:r>
+          </a:p>
+          <a:p>
+            <a:pPr lvl="1"/>
+            <a:r>
+              <a:rPr lang="en-US" dirty="0" smtClean="0"/>
+              <a:t>Path computing: 180,000 microseconds.</a:t>
+            </a:r>
+          </a:p>
+          <a:p>
+            <a:pPr lvl="1"/>
+            <a:r>
+              <a:rPr lang="en-US" dirty="0" smtClean="0"/>
+              <a:t>Data movement (PAMI + pipeline): ~45,000 microseconds.</a:t>
+            </a:r>
+          </a:p>
+          <a:p>
+            <a:pPr lvl="1"/>
+            <a:r>
+              <a:rPr lang="en-US" dirty="0" smtClean="0"/>
+              <a:t>The data movement only: 20GB/s.</a:t>
+            </a:r>
+          </a:p>
+          <a:p>
+            <a:pPr lvl="1"/>
+            <a:r>
+              <a:rPr lang="en-US" dirty="0" err="1" smtClean="0"/>
+              <a:t>Alltoallv</a:t>
+            </a:r>
+            <a:r>
+              <a:rPr lang="en-US" dirty="0" smtClean="0"/>
+              <a:t>: 110K microsecond or 9GB/s.</a:t>
+            </a:r>
+          </a:p>
+          <a:p>
+            <a:r>
+              <a:rPr lang="en-US" dirty="0" smtClean="0"/>
+              <a:t>Performance investigation:</a:t>
+            </a:r>
+          </a:p>
+          <a:p>
+            <a:pPr lvl="1"/>
+            <a:r>
+              <a:rPr lang="en-US" dirty="0" smtClean="0"/>
+              <a:t>Reduce path computing to 16,000 microseconds.</a:t>
+            </a:r>
+          </a:p>
+          <a:p>
+            <a:pPr lvl="1"/>
+            <a:r>
+              <a:rPr lang="en-US" dirty="0" smtClean="0"/>
+              <a:t>On-fly path computing and data movement: 60K microsecond or 16GB/s.</a:t>
+            </a:r>
+          </a:p>
+          <a:p>
+            <a:pPr lvl="1"/>
+            <a:r>
+              <a:rPr lang="en-US" dirty="0" smtClean="0"/>
+              <a:t>Potentially we can get more. Need to do more investigation.</a:t>
+            </a:r>
+          </a:p>
+          <a:p>
+            <a:r>
+              <a:rPr lang="en-US" dirty="0" smtClean="0"/>
+              <a:t>Generalized to m to n data movement algorithm using BFS.</a:t>
+            </a:r>
+          </a:p>
+        </p:txBody>
+      </p:sp>
+    </p:spTree>
+    <p:extLst>
+      <p:ext uri="{BB962C8B-B14F-4D97-AF65-F5344CB8AC3E}">
+        <p14:creationId xmlns:p14="http://schemas.microsoft.com/office/powerpoint/2010/main" val="1195147939"/>
+      </p:ext>
+    </p:extLst>
+  </p:cSld>
+  <p:clrMapOvr>
+    <a:masterClrMapping/>
+  </p:clrMapOvr>
+  <p:timing>
+    <p:tnLst>
+      <p:par>
+        <p:cTn xmlns:p14="http://schemas.microsoft.com/office/powerpoint/2010/main" id="1" dur="indefinite" restart="never" nodeType="tmRoot"/>
+      </p:par>
+    </p:tnLst>
+  </p:timing>
+</p:sld>
+</file>
+
+<file path=ppt/slides/slide17.xml><?xml version="1.0" encoding="utf-8"?>
+<p:sld xmlns:a="http://schemas.openxmlformats.org/drawingml/2006/main" xmlns:r="http://schemas.openxmlformats.org/officeDocument/2006/relationships" xmlns:p="http://schemas.openxmlformats.org/presentationml/2006/main">
+  <p:cSld>
+    <p:spTree>
+      <p:nvGrpSpPr>
+        <p:cNvPr id="1" name=""/>
+        <p:cNvGrpSpPr/>
+        <p:nvPr/>
+      </p:nvGrpSpPr>
+      <p:grpSpPr>
+        <a:xfrm>
+          <a:off x="0" y="0"/>
+          <a:ext cx="0" cy="0"/>
+          <a:chOff x="0" y="0"/>
+          <a:chExt cx="0" cy="0"/>
+        </a:xfrm>
+      </p:grpSpPr>
+      <p:sp>
+        <p:nvSpPr>
+          <p:cNvPr id="2" name="Title 1"/>
+          <p:cNvSpPr>
+            <a:spLocks noGrp="1"/>
+          </p:cNvSpPr>
+          <p:nvPr>
+            <p:ph type="title"/>
+          </p:nvPr>
+        </p:nvSpPr>
+        <p:spPr/>
+        <p:txBody>
+          <a:bodyPr/>
+          <a:lstStyle/>
+          <a:p>
+            <a:r>
+              <a:rPr lang="en-US" dirty="0" smtClean="0"/>
+              <a:t>Update Jan 19, 2015</a:t>
+            </a:r>
+            <a:endParaRPr lang="en-US" dirty="0"/>
+          </a:p>
+        </p:txBody>
+      </p:sp>
+      <p:sp>
+        <p:nvSpPr>
+          <p:cNvPr id="3" name="Content Placeholder 2"/>
+          <p:cNvSpPr>
+            <a:spLocks noGrp="1"/>
+          </p:cNvSpPr>
+          <p:nvPr>
+            <p:ph idx="1"/>
+          </p:nvPr>
+        </p:nvSpPr>
+        <p:spPr/>
+        <p:txBody>
+          <a:bodyPr>
+            <a:normAutofit fontScale="85000" lnSpcReduction="20000"/>
+          </a:bodyPr>
+          <a:lstStyle/>
+          <a:p>
+            <a:r>
+              <a:rPr lang="en-US" dirty="0" smtClean="0"/>
+              <a:t>Weird issue:</a:t>
+            </a:r>
+          </a:p>
+          <a:p>
+            <a:pPr lvl="1"/>
+            <a:r>
+              <a:rPr lang="en-US" dirty="0" smtClean="0"/>
+              <a:t>If initialize PAMI after most of the memory allocations, we can get better performance.</a:t>
+            </a:r>
+          </a:p>
+          <a:p>
+            <a:r>
+              <a:rPr lang="en-US" dirty="0" smtClean="0"/>
+              <a:t>This week:</a:t>
+            </a:r>
+          </a:p>
+          <a:p>
+            <a:pPr lvl="1"/>
+            <a:r>
+              <a:rPr lang="en-US" dirty="0"/>
+              <a:t>Clean code for Paul.</a:t>
+            </a:r>
+          </a:p>
+          <a:p>
+            <a:pPr lvl="1"/>
+            <a:r>
+              <a:rPr lang="en-US" dirty="0" smtClean="0"/>
+              <a:t>Model.</a:t>
+            </a:r>
+          </a:p>
+          <a:p>
+            <a:pPr lvl="1"/>
+            <a:r>
+              <a:rPr lang="en-US" dirty="0" smtClean="0"/>
+              <a:t>More on performance improvement.</a:t>
+            </a:r>
+          </a:p>
+          <a:p>
+            <a:r>
+              <a:rPr lang="en-US" dirty="0" smtClean="0"/>
+              <a:t>Upcoming conferences: </a:t>
+            </a:r>
+          </a:p>
+          <a:p>
+            <a:pPr lvl="1"/>
+            <a:r>
+              <a:rPr lang="en-US" dirty="0" smtClean="0"/>
+              <a:t>Cluster (Feb 27)</a:t>
+            </a:r>
+          </a:p>
+          <a:p>
+            <a:r>
+              <a:rPr lang="en-US" dirty="0" smtClean="0"/>
+              <a:t> Thesis:</a:t>
+            </a:r>
+          </a:p>
+          <a:p>
+            <a:pPr lvl="1"/>
+            <a:r>
+              <a:rPr lang="en-US" dirty="0" smtClean="0"/>
+              <a:t>June 26: file for graduation.</a:t>
+            </a:r>
+          </a:p>
+          <a:p>
+            <a:pPr lvl="1"/>
+            <a:r>
+              <a:rPr lang="en-US" dirty="0" smtClean="0"/>
+              <a:t>July 24: submit defended/approved thesis.</a:t>
+            </a:r>
+          </a:p>
+          <a:p>
+            <a:pPr lvl="1"/>
+            <a:endParaRPr lang="en-US" dirty="0"/>
+          </a:p>
+        </p:txBody>
+      </p:sp>
+    </p:spTree>
+    <p:extLst>
+      <p:ext uri="{BB962C8B-B14F-4D97-AF65-F5344CB8AC3E}">
+        <p14:creationId xmlns:p14="http://schemas.microsoft.com/office/powerpoint/2010/main" val="2747040717"/>
+      </p:ext>
+    </p:extLst>
+  </p:cSld>
+  <p:clrMapOvr>
+    <a:masterClrMapping/>
+  </p:clrMapOvr>
+  <p:timing>
+    <p:tnLst>
+      <p:par>
+        <p:cTn xmlns:p14="http://schemas.microsoft.com/office/powerpoint/2010/main" id="1" dur="indefinite" restart="never" nodeType="tmRoot"/>
+      </p:par>
+    </p:tnLst>
+  </p:timing>
 </p:sld>
 </file>
 

--- a/docs/argonne_weekly_update.pptx
+++ b/docs/argonne_weekly_update.pptx
@@ -22,6 +22,9 @@
     <p:sldId id="270" r:id="rId16"/>
     <p:sldId id="271" r:id="rId17"/>
     <p:sldId id="272" r:id="rId18"/>
+    <p:sldId id="273" r:id="rId19"/>
+    <p:sldId id="274" r:id="rId20"/>
+    <p:sldId id="277" r:id="rId21"/>
   </p:sldIdLst>
   <p:sldSz cx="9144000" cy="6858000" type="screen4x3"/>
   <p:notesSz cx="6858000" cy="9144000"/>
@@ -142,6 +145,9 @@
             <p14:sldId id="270"/>
             <p14:sldId id="271"/>
             <p14:sldId id="272"/>
+            <p14:sldId id="273"/>
+            <p14:sldId id="274"/>
+            <p14:sldId id="277"/>
           </p14:sldIdLst>
         </p14:section>
       </p14:sectionLst>
@@ -331,7 +337,7 @@
           <a:p>
             <a:fld id="{845E5202-FE1C-7248-B986-0C23BA3B595C}" type="datetimeFigureOut">
               <a:rPr lang="en-US" smtClean="0"/>
-              <a:t>1/19/15</a:t>
+              <a:t>1/21/15</a:t>
             </a:fld>
             <a:endParaRPr lang="en-US"/>
           </a:p>
@@ -501,7 +507,7 @@
           <a:p>
             <a:fld id="{845E5202-FE1C-7248-B986-0C23BA3B595C}" type="datetimeFigureOut">
               <a:rPr lang="en-US" smtClean="0"/>
-              <a:t>1/19/15</a:t>
+              <a:t>1/21/15</a:t>
             </a:fld>
             <a:endParaRPr lang="en-US"/>
           </a:p>
@@ -681,7 +687,7 @@
           <a:p>
             <a:fld id="{845E5202-FE1C-7248-B986-0C23BA3B595C}" type="datetimeFigureOut">
               <a:rPr lang="en-US" smtClean="0"/>
-              <a:t>1/19/15</a:t>
+              <a:t>1/21/15</a:t>
             </a:fld>
             <a:endParaRPr lang="en-US"/>
           </a:p>
@@ -851,7 +857,7 @@
           <a:p>
             <a:fld id="{845E5202-FE1C-7248-B986-0C23BA3B595C}" type="datetimeFigureOut">
               <a:rPr lang="en-US" smtClean="0"/>
-              <a:t>1/19/15</a:t>
+              <a:t>1/21/15</a:t>
             </a:fld>
             <a:endParaRPr lang="en-US"/>
           </a:p>
@@ -1097,7 +1103,7 @@
           <a:p>
             <a:fld id="{845E5202-FE1C-7248-B986-0C23BA3B595C}" type="datetimeFigureOut">
               <a:rPr lang="en-US" smtClean="0"/>
-              <a:t>1/19/15</a:t>
+              <a:t>1/21/15</a:t>
             </a:fld>
             <a:endParaRPr lang="en-US"/>
           </a:p>
@@ -1385,7 +1391,7 @@
           <a:p>
             <a:fld id="{845E5202-FE1C-7248-B986-0C23BA3B595C}" type="datetimeFigureOut">
               <a:rPr lang="en-US" smtClean="0"/>
-              <a:t>1/19/15</a:t>
+              <a:t>1/21/15</a:t>
             </a:fld>
             <a:endParaRPr lang="en-US"/>
           </a:p>
@@ -1807,7 +1813,7 @@
           <a:p>
             <a:fld id="{845E5202-FE1C-7248-B986-0C23BA3B595C}" type="datetimeFigureOut">
               <a:rPr lang="en-US" smtClean="0"/>
-              <a:t>1/19/15</a:t>
+              <a:t>1/21/15</a:t>
             </a:fld>
             <a:endParaRPr lang="en-US"/>
           </a:p>
@@ -1925,7 +1931,7 @@
           <a:p>
             <a:fld id="{845E5202-FE1C-7248-B986-0C23BA3B595C}" type="datetimeFigureOut">
               <a:rPr lang="en-US" smtClean="0"/>
-              <a:t>1/19/15</a:t>
+              <a:t>1/21/15</a:t>
             </a:fld>
             <a:endParaRPr lang="en-US"/>
           </a:p>
@@ -2020,7 +2026,7 @@
           <a:p>
             <a:fld id="{845E5202-FE1C-7248-B986-0C23BA3B595C}" type="datetimeFigureOut">
               <a:rPr lang="en-US" smtClean="0"/>
-              <a:t>1/19/15</a:t>
+              <a:t>1/21/15</a:t>
             </a:fld>
             <a:endParaRPr lang="en-US"/>
           </a:p>
@@ -2297,7 +2303,7 @@
           <a:p>
             <a:fld id="{845E5202-FE1C-7248-B986-0C23BA3B595C}" type="datetimeFigureOut">
               <a:rPr lang="en-US" smtClean="0"/>
-              <a:t>1/19/15</a:t>
+              <a:t>1/21/15</a:t>
             </a:fld>
             <a:endParaRPr lang="en-US"/>
           </a:p>
@@ -2550,7 +2556,7 @@
           <a:p>
             <a:fld id="{845E5202-FE1C-7248-B986-0C23BA3B595C}" type="datetimeFigureOut">
               <a:rPr lang="en-US" smtClean="0"/>
-              <a:t>1/19/15</a:t>
+              <a:t>1/21/15</a:t>
             </a:fld>
             <a:endParaRPr lang="en-US"/>
           </a:p>
@@ -2763,7 +2769,7 @@
           <a:p>
             <a:fld id="{845E5202-FE1C-7248-B986-0C23BA3B595C}" type="datetimeFigureOut">
               <a:rPr lang="en-US" smtClean="0"/>
-              <a:t>1/19/15</a:t>
+              <a:t>1/21/15</a:t>
             </a:fld>
             <a:endParaRPr lang="en-US"/>
           </a:p>
@@ -4867,6 +4873,967 @@
 </p:sld>
 </file>
 
+<file path=ppt/slides/slide18.xml><?xml version="1.0" encoding="utf-8"?>
+<p:sld xmlns:a="http://schemas.openxmlformats.org/drawingml/2006/main" xmlns:r="http://schemas.openxmlformats.org/officeDocument/2006/relationships" xmlns:p="http://schemas.openxmlformats.org/presentationml/2006/main">
+  <p:cSld>
+    <p:spTree>
+      <p:nvGrpSpPr>
+        <p:cNvPr id="1" name=""/>
+        <p:cNvGrpSpPr/>
+        <p:nvPr/>
+      </p:nvGrpSpPr>
+      <p:grpSpPr>
+        <a:xfrm>
+          <a:off x="0" y="0"/>
+          <a:ext cx="0" cy="0"/>
+          <a:chOff x="0" y="0"/>
+          <a:chExt cx="0" cy="0"/>
+        </a:xfrm>
+      </p:grpSpPr>
+      <p:sp>
+        <p:nvSpPr>
+          <p:cNvPr id="2" name="Title 1"/>
+          <p:cNvSpPr>
+            <a:spLocks noGrp="1"/>
+          </p:cNvSpPr>
+          <p:nvPr>
+            <p:ph type="title"/>
+          </p:nvPr>
+        </p:nvSpPr>
+        <p:spPr/>
+        <p:txBody>
+          <a:bodyPr/>
+          <a:lstStyle/>
+          <a:p>
+            <a:r>
+              <a:rPr lang="en-US" dirty="0" smtClean="0"/>
+              <a:t>Update Jan 22, 2015</a:t>
+            </a:r>
+            <a:endParaRPr lang="en-US" dirty="0"/>
+          </a:p>
+        </p:txBody>
+      </p:sp>
+      <p:sp>
+        <p:nvSpPr>
+          <p:cNvPr id="3" name="Content Placeholder 2"/>
+          <p:cNvSpPr>
+            <a:spLocks noGrp="1"/>
+          </p:cNvSpPr>
+          <p:nvPr>
+            <p:ph idx="1"/>
+          </p:nvPr>
+        </p:nvSpPr>
+        <p:spPr/>
+        <p:txBody>
+          <a:bodyPr>
+            <a:normAutofit fontScale="70000" lnSpcReduction="20000"/>
+          </a:bodyPr>
+          <a:lstStyle/>
+          <a:p>
+            <a:r>
+              <a:rPr lang="en-US" dirty="0" smtClean="0"/>
+              <a:t>k shortest paths between 2 nodes:</a:t>
+            </a:r>
+          </a:p>
+          <a:p>
+            <a:pPr lvl="1"/>
+            <a:r>
+              <a:rPr lang="en-US" dirty="0" smtClean="0"/>
+              <a:t>Yen’s algorithm 1972 – one of the earliest.</a:t>
+            </a:r>
+          </a:p>
+          <a:p>
+            <a:pPr lvl="1"/>
+            <a:r>
+              <a:rPr lang="en-US" dirty="0" smtClean="0"/>
+              <a:t>The paths may share arcs.</a:t>
+            </a:r>
+          </a:p>
+          <a:p>
+            <a:r>
+              <a:rPr lang="en-US" dirty="0" smtClean="0"/>
+              <a:t>Tests:</a:t>
+            </a:r>
+          </a:p>
+          <a:p>
+            <a:pPr lvl="1"/>
+            <a:r>
+              <a:rPr lang="en-US" dirty="0" smtClean="0"/>
+              <a:t>256 nodes partition, 256 sources, 4 </a:t>
+            </a:r>
+            <a:r>
+              <a:rPr lang="en-US" dirty="0" err="1" smtClean="0"/>
+              <a:t>dests</a:t>
+            </a:r>
+            <a:r>
+              <a:rPr lang="en-US" dirty="0" smtClean="0"/>
+              <a:t> (32, 96, 160, 224).</a:t>
+            </a:r>
+          </a:p>
+          <a:p>
+            <a:pPr lvl="1"/>
+            <a:r>
+              <a:rPr lang="en-US" dirty="0" smtClean="0"/>
+              <a:t>Experiment:</a:t>
+            </a:r>
+          </a:p>
+          <a:p>
+            <a:pPr lvl="2"/>
+            <a:r>
+              <a:rPr lang="en-US" dirty="0" smtClean="0"/>
+              <a:t>Generated k shortest paths.</a:t>
+            </a:r>
+          </a:p>
+          <a:p>
+            <a:pPr lvl="2"/>
+            <a:r>
+              <a:rPr lang="en-US" dirty="0" smtClean="0"/>
+              <a:t>Feed the k shortest paths to the model. Output: a number of paths selected by the model to produce the highest possible </a:t>
+            </a:r>
+            <a:r>
+              <a:rPr lang="en-US" dirty="0" err="1" smtClean="0"/>
+              <a:t>thoughtput</a:t>
+            </a:r>
+            <a:r>
+              <a:rPr lang="en-US" dirty="0" smtClean="0"/>
+              <a:t>.</a:t>
+            </a:r>
+            <a:endParaRPr lang="en-US" dirty="0"/>
+          </a:p>
+          <a:p>
+            <a:pPr lvl="2"/>
+            <a:r>
+              <a:rPr lang="en-US" dirty="0" smtClean="0"/>
+              <a:t>Get the paths, execute on BG/Q.</a:t>
+            </a:r>
+          </a:p>
+          <a:p>
+            <a:pPr lvl="1"/>
+            <a:r>
+              <a:rPr lang="en-US" dirty="0" smtClean="0"/>
+              <a:t>3 cases:</a:t>
+            </a:r>
+          </a:p>
+          <a:p>
+            <a:pPr lvl="2"/>
+            <a:r>
+              <a:rPr lang="en-US" dirty="0"/>
+              <a:t>k</a:t>
+            </a:r>
+            <a:r>
+              <a:rPr lang="en-US" dirty="0" smtClean="0"/>
+              <a:t> shortest paths.</a:t>
+            </a:r>
+          </a:p>
+          <a:p>
+            <a:pPr lvl="2"/>
+            <a:r>
+              <a:rPr lang="en-US" dirty="0" smtClean="0"/>
+              <a:t>At most k shortest paths that not over h hops.</a:t>
+            </a:r>
+          </a:p>
+          <a:p>
+            <a:pPr lvl="2"/>
+            <a:r>
+              <a:rPr lang="en-US" dirty="0" smtClean="0"/>
+              <a:t>At most k disjoint shortest paths that not over h hops.</a:t>
+            </a:r>
+            <a:endParaRPr lang="en-US" dirty="0"/>
+          </a:p>
+          <a:p>
+            <a:pPr lvl="2"/>
+            <a:r>
+              <a:rPr lang="en-US" dirty="0" smtClean="0"/>
+              <a:t>k = 1, 2, 4, 8, 16, 32. h = 8.</a:t>
+            </a:r>
+          </a:p>
+        </p:txBody>
+      </p:sp>
+    </p:spTree>
+    <p:extLst>
+      <p:ext uri="{BB962C8B-B14F-4D97-AF65-F5344CB8AC3E}">
+        <p14:creationId xmlns:p14="http://schemas.microsoft.com/office/powerpoint/2010/main" val="1068113862"/>
+      </p:ext>
+    </p:extLst>
+  </p:cSld>
+  <p:clrMapOvr>
+    <a:masterClrMapping/>
+  </p:clrMapOvr>
+</p:sld>
+</file>
+
+<file path=ppt/slides/slide19.xml><?xml version="1.0" encoding="utf-8"?>
+<p:sld xmlns:a="http://schemas.openxmlformats.org/drawingml/2006/main" xmlns:r="http://schemas.openxmlformats.org/officeDocument/2006/relationships" xmlns:p="http://schemas.openxmlformats.org/presentationml/2006/main">
+  <p:cSld>
+    <p:spTree>
+      <p:nvGrpSpPr>
+        <p:cNvPr id="1" name=""/>
+        <p:cNvGrpSpPr/>
+        <p:nvPr/>
+      </p:nvGrpSpPr>
+      <p:grpSpPr>
+        <a:xfrm>
+          <a:off x="0" y="0"/>
+          <a:ext cx="0" cy="0"/>
+          <a:chOff x="0" y="0"/>
+          <a:chExt cx="0" cy="0"/>
+        </a:xfrm>
+      </p:grpSpPr>
+      <p:sp>
+        <p:nvSpPr>
+          <p:cNvPr id="2" name="Title 1"/>
+          <p:cNvSpPr>
+            <a:spLocks noGrp="1"/>
+          </p:cNvSpPr>
+          <p:nvPr>
+            <p:ph type="title"/>
+          </p:nvPr>
+        </p:nvSpPr>
+        <p:spPr/>
+        <p:txBody>
+          <a:bodyPr/>
+          <a:lstStyle/>
+          <a:p>
+            <a:endParaRPr lang="en-US"/>
+          </a:p>
+        </p:txBody>
+      </p:sp>
+      <p:sp>
+        <p:nvSpPr>
+          <p:cNvPr id="3" name="Content Placeholder 2"/>
+          <p:cNvSpPr>
+            <a:spLocks noGrp="1"/>
+          </p:cNvSpPr>
+          <p:nvPr>
+            <p:ph idx="1"/>
+          </p:nvPr>
+        </p:nvSpPr>
+        <p:spPr/>
+        <p:txBody>
+          <a:bodyPr>
+            <a:normAutofit/>
+          </a:bodyPr>
+          <a:lstStyle/>
+          <a:p>
+            <a:r>
+              <a:rPr lang="en-US" dirty="0" smtClean="0"/>
+              <a:t>Tests:</a:t>
+            </a:r>
+          </a:p>
+          <a:p>
+            <a:pPr lvl="1"/>
+            <a:r>
+              <a:rPr lang="en-US" dirty="0" smtClean="0"/>
+              <a:t>k shortest paths:</a:t>
+            </a:r>
+          </a:p>
+          <a:p>
+            <a:pPr lvl="1"/>
+            <a:endParaRPr lang="en-US" dirty="0" smtClean="0"/>
+          </a:p>
+          <a:p>
+            <a:pPr lvl="1"/>
+            <a:endParaRPr lang="en-US" dirty="0"/>
+          </a:p>
+          <a:p>
+            <a:pPr lvl="1"/>
+            <a:endParaRPr lang="en-US" dirty="0" smtClean="0"/>
+          </a:p>
+          <a:p>
+            <a:pPr lvl="1"/>
+            <a:endParaRPr lang="en-US" dirty="0"/>
+          </a:p>
+          <a:p>
+            <a:pPr lvl="1"/>
+            <a:endParaRPr lang="en-US" dirty="0" smtClean="0"/>
+          </a:p>
+        </p:txBody>
+      </p:sp>
+      <p:graphicFrame>
+        <p:nvGraphicFramePr>
+          <p:cNvPr id="4" name="Table 3"/>
+          <p:cNvGraphicFramePr>
+            <a:graphicFrameLocks noGrp="1"/>
+          </p:cNvGraphicFramePr>
+          <p:nvPr>
+            <p:extLst>
+              <p:ext uri="{D42A27DB-BD31-4B8C-83A1-F6EECF244321}">
+                <p14:modId xmlns:p14="http://schemas.microsoft.com/office/powerpoint/2010/main" val="3737270993"/>
+              </p:ext>
+            </p:extLst>
+          </p:nvPr>
+        </p:nvGraphicFramePr>
+        <p:xfrm>
+          <a:off x="1653881" y="2887520"/>
+          <a:ext cx="6096000" cy="3606800"/>
+        </p:xfrm>
+        <a:graphic>
+          <a:graphicData uri="http://schemas.openxmlformats.org/drawingml/2006/table">
+            <a:tbl>
+              <a:tblPr firstRow="1" bandRow="1">
+                <a:tableStyleId>{5C22544A-7EE6-4342-B048-85BDC9FD1C3A}</a:tableStyleId>
+              </a:tblPr>
+              <a:tblGrid>
+                <a:gridCol w="1219200"/>
+                <a:gridCol w="1219200"/>
+                <a:gridCol w="1219200"/>
+                <a:gridCol w="1219200"/>
+                <a:gridCol w="1219200"/>
+              </a:tblGrid>
+              <a:tr h="370840">
+                <a:tc>
+                  <a:txBody>
+                    <a:bodyPr/>
+                    <a:lstStyle/>
+                    <a:p>
+                      <a:pPr algn="ctr"/>
+                      <a:endParaRPr lang="en-US" dirty="0"/>
+                    </a:p>
+                  </a:txBody>
+                  <a:tcPr/>
+                </a:tc>
+                <a:tc gridSpan="2">
+                  <a:txBody>
+                    <a:bodyPr/>
+                    <a:lstStyle/>
+                    <a:p>
+                      <a:pPr algn="ctr"/>
+                      <a:r>
+                        <a:rPr lang="en-US" dirty="0" smtClean="0"/>
+                        <a:t>Paths</a:t>
+                      </a:r>
+                      <a:r>
+                        <a:rPr lang="en-US" baseline="0" dirty="0" smtClean="0"/>
+                        <a:t> by Yen’s </a:t>
+                      </a:r>
+                      <a:r>
+                        <a:rPr lang="en-US" baseline="0" dirty="0" err="1" smtClean="0"/>
+                        <a:t>alg</a:t>
+                      </a:r>
+                      <a:endParaRPr lang="en-US" dirty="0"/>
+                    </a:p>
+                  </a:txBody>
+                  <a:tcPr/>
+                </a:tc>
+                <a:tc hMerge="1">
+                  <a:txBody>
+                    <a:bodyPr/>
+                    <a:lstStyle/>
+                    <a:p>
+                      <a:pPr algn="ctr"/>
+                      <a:endParaRPr lang="en-US" dirty="0"/>
+                    </a:p>
+                  </a:txBody>
+                  <a:tcPr/>
+                </a:tc>
+                <a:tc gridSpan="2">
+                  <a:txBody>
+                    <a:bodyPr/>
+                    <a:lstStyle/>
+                    <a:p>
+                      <a:pPr algn="ctr"/>
+                      <a:r>
+                        <a:rPr lang="en-US" dirty="0" smtClean="0"/>
+                        <a:t>Selected</a:t>
+                      </a:r>
+                      <a:r>
+                        <a:rPr lang="en-US" baseline="0" dirty="0" smtClean="0"/>
+                        <a:t> paths by the model</a:t>
+                      </a:r>
+                      <a:endParaRPr lang="en-US" dirty="0"/>
+                    </a:p>
+                  </a:txBody>
+                  <a:tcPr/>
+                </a:tc>
+                <a:tc hMerge="1">
+                  <a:txBody>
+                    <a:bodyPr/>
+                    <a:lstStyle/>
+                    <a:p>
+                      <a:pPr algn="ctr"/>
+                      <a:endParaRPr lang="en-US" dirty="0"/>
+                    </a:p>
+                  </a:txBody>
+                  <a:tcPr/>
+                </a:tc>
+              </a:tr>
+              <a:tr h="370840">
+                <a:tc>
+                  <a:txBody>
+                    <a:bodyPr/>
+                    <a:lstStyle/>
+                    <a:p>
+                      <a:pPr algn="ctr"/>
+                      <a:r>
+                        <a:rPr lang="en-US" dirty="0" smtClean="0"/>
+                        <a:t>k</a:t>
+                      </a:r>
+                      <a:endParaRPr lang="en-US" dirty="0"/>
+                    </a:p>
+                  </a:txBody>
+                  <a:tcPr/>
+                </a:tc>
+                <a:tc>
+                  <a:txBody>
+                    <a:bodyPr/>
+                    <a:lstStyle/>
+                    <a:p>
+                      <a:pPr algn="ctr"/>
+                      <a:r>
+                        <a:rPr lang="en-US" dirty="0" err="1" smtClean="0"/>
+                        <a:t>Max_load</a:t>
+                      </a:r>
+                      <a:endParaRPr lang="en-US" dirty="0"/>
+                    </a:p>
+                  </a:txBody>
+                  <a:tcPr/>
+                </a:tc>
+                <a:tc>
+                  <a:txBody>
+                    <a:bodyPr/>
+                    <a:lstStyle/>
+                    <a:p>
+                      <a:pPr algn="ctr"/>
+                      <a:r>
+                        <a:rPr lang="en-US" dirty="0" err="1" smtClean="0"/>
+                        <a:t>Max_hops</a:t>
+                      </a:r>
+                      <a:endParaRPr lang="en-US" dirty="0"/>
+                    </a:p>
+                  </a:txBody>
+                  <a:tcPr/>
+                </a:tc>
+                <a:tc>
+                  <a:txBody>
+                    <a:bodyPr/>
+                    <a:lstStyle/>
+                    <a:p>
+                      <a:pPr algn="ctr"/>
+                      <a:r>
+                        <a:rPr lang="en-US" dirty="0" err="1" smtClean="0"/>
+                        <a:t>Max_load</a:t>
+                      </a:r>
+                      <a:endParaRPr lang="en-US" dirty="0"/>
+                    </a:p>
+                  </a:txBody>
+                  <a:tcPr/>
+                </a:tc>
+                <a:tc>
+                  <a:txBody>
+                    <a:bodyPr/>
+                    <a:lstStyle/>
+                    <a:p>
+                      <a:pPr algn="ctr"/>
+                      <a:r>
+                        <a:rPr lang="en-US" dirty="0" err="1" smtClean="0"/>
+                        <a:t>Max_hops</a:t>
+                      </a:r>
+                      <a:endParaRPr lang="en-US" dirty="0"/>
+                    </a:p>
+                  </a:txBody>
+                  <a:tcPr/>
+                </a:tc>
+              </a:tr>
+              <a:tr h="370840">
+                <a:tc>
+                  <a:txBody>
+                    <a:bodyPr/>
+                    <a:lstStyle/>
+                    <a:p>
+                      <a:pPr algn="ctr"/>
+                      <a:r>
+                        <a:rPr lang="en-US" dirty="0" smtClean="0"/>
+                        <a:t>1</a:t>
+                      </a:r>
+                      <a:endParaRPr lang="en-US" dirty="0"/>
+                    </a:p>
+                  </a:txBody>
+                  <a:tcPr/>
+                </a:tc>
+                <a:tc>
+                  <a:txBody>
+                    <a:bodyPr/>
+                    <a:lstStyle/>
+                    <a:p>
+                      <a:pPr algn="ctr"/>
+                      <a:r>
+                        <a:rPr lang="en-US" dirty="0" smtClean="0"/>
+                        <a:t>51</a:t>
+                      </a:r>
+                      <a:endParaRPr lang="en-US" dirty="0"/>
+                    </a:p>
+                  </a:txBody>
+                  <a:tcPr/>
+                </a:tc>
+                <a:tc>
+                  <a:txBody>
+                    <a:bodyPr/>
+                    <a:lstStyle/>
+                    <a:p>
+                      <a:pPr algn="ctr"/>
+                      <a:r>
+                        <a:rPr lang="en-US" dirty="0" smtClean="0"/>
+                        <a:t>8</a:t>
+                      </a:r>
+                      <a:endParaRPr lang="en-US" dirty="0"/>
+                    </a:p>
+                  </a:txBody>
+                  <a:tcPr/>
+                </a:tc>
+                <a:tc>
+                  <a:txBody>
+                    <a:bodyPr/>
+                    <a:lstStyle/>
+                    <a:p>
+                      <a:pPr algn="ctr"/>
+                      <a:endParaRPr lang="en-US" dirty="0"/>
+                    </a:p>
+                  </a:txBody>
+                  <a:tcPr/>
+                </a:tc>
+                <a:tc>
+                  <a:txBody>
+                    <a:bodyPr/>
+                    <a:lstStyle/>
+                    <a:p>
+                      <a:pPr algn="ctr"/>
+                      <a:endParaRPr lang="en-US" dirty="0"/>
+                    </a:p>
+                  </a:txBody>
+                  <a:tcPr/>
+                </a:tc>
+              </a:tr>
+              <a:tr h="370840">
+                <a:tc>
+                  <a:txBody>
+                    <a:bodyPr/>
+                    <a:lstStyle/>
+                    <a:p>
+                      <a:pPr algn="ctr"/>
+                      <a:r>
+                        <a:rPr lang="en-US" dirty="0" smtClean="0"/>
+                        <a:t>2</a:t>
+                      </a:r>
+                      <a:endParaRPr lang="en-US" dirty="0"/>
+                    </a:p>
+                  </a:txBody>
+                  <a:tcPr/>
+                </a:tc>
+                <a:tc>
+                  <a:txBody>
+                    <a:bodyPr/>
+                    <a:lstStyle/>
+                    <a:p>
+                      <a:pPr algn="ctr"/>
+                      <a:r>
+                        <a:rPr lang="en-US" dirty="0" smtClean="0"/>
+                        <a:t>98</a:t>
+                      </a:r>
+                      <a:endParaRPr lang="en-US" dirty="0"/>
+                    </a:p>
+                  </a:txBody>
+                  <a:tcPr/>
+                </a:tc>
+                <a:tc>
+                  <a:txBody>
+                    <a:bodyPr/>
+                    <a:lstStyle/>
+                    <a:p>
+                      <a:pPr algn="ctr"/>
+                      <a:r>
+                        <a:rPr lang="en-US" dirty="0" smtClean="0"/>
+                        <a:t>8</a:t>
+                      </a:r>
+                      <a:endParaRPr lang="en-US" dirty="0"/>
+                    </a:p>
+                  </a:txBody>
+                  <a:tcPr/>
+                </a:tc>
+                <a:tc>
+                  <a:txBody>
+                    <a:bodyPr/>
+                    <a:lstStyle/>
+                    <a:p>
+                      <a:pPr algn="ctr"/>
+                      <a:endParaRPr lang="en-US" dirty="0"/>
+                    </a:p>
+                  </a:txBody>
+                  <a:tcPr/>
+                </a:tc>
+                <a:tc>
+                  <a:txBody>
+                    <a:bodyPr/>
+                    <a:lstStyle/>
+                    <a:p>
+                      <a:pPr algn="ctr"/>
+                      <a:endParaRPr lang="en-US" dirty="0"/>
+                    </a:p>
+                  </a:txBody>
+                  <a:tcPr/>
+                </a:tc>
+              </a:tr>
+              <a:tr h="370840">
+                <a:tc>
+                  <a:txBody>
+                    <a:bodyPr/>
+                    <a:lstStyle/>
+                    <a:p>
+                      <a:pPr algn="ctr"/>
+                      <a:r>
+                        <a:rPr lang="en-US" dirty="0" smtClean="0"/>
+                        <a:t>3</a:t>
+                      </a:r>
+                      <a:endParaRPr lang="en-US" dirty="0"/>
+                    </a:p>
+                  </a:txBody>
+                  <a:tcPr/>
+                </a:tc>
+                <a:tc>
+                  <a:txBody>
+                    <a:bodyPr/>
+                    <a:lstStyle/>
+                    <a:p>
+                      <a:pPr algn="ctr"/>
+                      <a:r>
+                        <a:rPr lang="en-US" dirty="0" smtClean="0"/>
+                        <a:t>141</a:t>
+                      </a:r>
+                      <a:endParaRPr lang="en-US" dirty="0"/>
+                    </a:p>
+                  </a:txBody>
+                  <a:tcPr/>
+                </a:tc>
+                <a:tc>
+                  <a:txBody>
+                    <a:bodyPr/>
+                    <a:lstStyle/>
+                    <a:p>
+                      <a:pPr algn="ctr"/>
+                      <a:r>
+                        <a:rPr lang="en-US" dirty="0" smtClean="0"/>
+                        <a:t>8</a:t>
+                      </a:r>
+                      <a:endParaRPr lang="en-US" dirty="0"/>
+                    </a:p>
+                  </a:txBody>
+                  <a:tcPr/>
+                </a:tc>
+                <a:tc>
+                  <a:txBody>
+                    <a:bodyPr/>
+                    <a:lstStyle/>
+                    <a:p>
+                      <a:pPr algn="ctr"/>
+                      <a:endParaRPr lang="en-US" dirty="0"/>
+                    </a:p>
+                  </a:txBody>
+                  <a:tcPr/>
+                </a:tc>
+                <a:tc>
+                  <a:txBody>
+                    <a:bodyPr/>
+                    <a:lstStyle/>
+                    <a:p>
+                      <a:pPr algn="ctr"/>
+                      <a:endParaRPr lang="en-US" dirty="0"/>
+                    </a:p>
+                  </a:txBody>
+                  <a:tcPr/>
+                </a:tc>
+              </a:tr>
+              <a:tr h="370840">
+                <a:tc>
+                  <a:txBody>
+                    <a:bodyPr/>
+                    <a:lstStyle/>
+                    <a:p>
+                      <a:pPr algn="ctr"/>
+                      <a:r>
+                        <a:rPr lang="en-US" dirty="0" smtClean="0"/>
+                        <a:t>4</a:t>
+                      </a:r>
+                      <a:endParaRPr lang="en-US" dirty="0"/>
+                    </a:p>
+                  </a:txBody>
+                  <a:tcPr/>
+                </a:tc>
+                <a:tc>
+                  <a:txBody>
+                    <a:bodyPr/>
+                    <a:lstStyle/>
+                    <a:p>
+                      <a:pPr algn="ctr"/>
+                      <a:r>
+                        <a:rPr lang="en-US" dirty="0" smtClean="0"/>
+                        <a:t>179</a:t>
+                      </a:r>
+                      <a:endParaRPr lang="en-US" dirty="0"/>
+                    </a:p>
+                  </a:txBody>
+                  <a:tcPr/>
+                </a:tc>
+                <a:tc>
+                  <a:txBody>
+                    <a:bodyPr/>
+                    <a:lstStyle/>
+                    <a:p>
+                      <a:pPr algn="ctr"/>
+                      <a:r>
+                        <a:rPr lang="en-US" dirty="0" smtClean="0"/>
+                        <a:t>8</a:t>
+                      </a:r>
+                      <a:endParaRPr lang="en-US" dirty="0"/>
+                    </a:p>
+                  </a:txBody>
+                  <a:tcPr/>
+                </a:tc>
+                <a:tc>
+                  <a:txBody>
+                    <a:bodyPr/>
+                    <a:lstStyle/>
+                    <a:p>
+                      <a:pPr algn="ctr"/>
+                      <a:endParaRPr lang="en-US" dirty="0"/>
+                    </a:p>
+                  </a:txBody>
+                  <a:tcPr/>
+                </a:tc>
+                <a:tc>
+                  <a:txBody>
+                    <a:bodyPr/>
+                    <a:lstStyle/>
+                    <a:p>
+                      <a:pPr algn="ctr"/>
+                      <a:endParaRPr lang="en-US" dirty="0"/>
+                    </a:p>
+                  </a:txBody>
+                  <a:tcPr/>
+                </a:tc>
+              </a:tr>
+              <a:tr h="370840">
+                <a:tc>
+                  <a:txBody>
+                    <a:bodyPr/>
+                    <a:lstStyle/>
+                    <a:p>
+                      <a:pPr algn="ctr"/>
+                      <a:r>
+                        <a:rPr lang="en-US" dirty="0" smtClean="0"/>
+                        <a:t>8</a:t>
+                      </a:r>
+                      <a:endParaRPr lang="en-US" dirty="0"/>
+                    </a:p>
+                  </a:txBody>
+                  <a:tcPr/>
+                </a:tc>
+                <a:tc>
+                  <a:txBody>
+                    <a:bodyPr/>
+                    <a:lstStyle/>
+                    <a:p>
+                      <a:pPr algn="ctr"/>
+                      <a:r>
+                        <a:rPr lang="en-US" dirty="0" smtClean="0"/>
+                        <a:t>362</a:t>
+                      </a:r>
+                      <a:endParaRPr lang="en-US" dirty="0"/>
+                    </a:p>
+                  </a:txBody>
+                  <a:tcPr/>
+                </a:tc>
+                <a:tc>
+                  <a:txBody>
+                    <a:bodyPr/>
+                    <a:lstStyle/>
+                    <a:p>
+                      <a:pPr algn="ctr"/>
+                      <a:r>
+                        <a:rPr lang="en-US" dirty="0" smtClean="0"/>
+                        <a:t>8</a:t>
+                      </a:r>
+                      <a:endParaRPr lang="en-US" dirty="0"/>
+                    </a:p>
+                  </a:txBody>
+                  <a:tcPr/>
+                </a:tc>
+                <a:tc>
+                  <a:txBody>
+                    <a:bodyPr/>
+                    <a:lstStyle/>
+                    <a:p>
+                      <a:pPr algn="ctr"/>
+                      <a:endParaRPr lang="en-US" dirty="0"/>
+                    </a:p>
+                  </a:txBody>
+                  <a:tcPr/>
+                </a:tc>
+                <a:tc>
+                  <a:txBody>
+                    <a:bodyPr/>
+                    <a:lstStyle/>
+                    <a:p>
+                      <a:pPr algn="ctr"/>
+                      <a:endParaRPr lang="en-US" dirty="0"/>
+                    </a:p>
+                  </a:txBody>
+                  <a:tcPr/>
+                </a:tc>
+              </a:tr>
+              <a:tr h="370840">
+                <a:tc>
+                  <a:txBody>
+                    <a:bodyPr/>
+                    <a:lstStyle/>
+                    <a:p>
+                      <a:pPr algn="ctr"/>
+                      <a:r>
+                        <a:rPr lang="en-US" dirty="0" smtClean="0"/>
+                        <a:t>16</a:t>
+                      </a:r>
+                      <a:endParaRPr lang="en-US" dirty="0"/>
+                    </a:p>
+                  </a:txBody>
+                  <a:tcPr/>
+                </a:tc>
+                <a:tc>
+                  <a:txBody>
+                    <a:bodyPr/>
+                    <a:lstStyle/>
+                    <a:p>
+                      <a:pPr algn="ctr"/>
+                      <a:r>
+                        <a:rPr lang="en-US" dirty="0" smtClean="0"/>
+                        <a:t>798</a:t>
+                      </a:r>
+                      <a:endParaRPr lang="en-US" dirty="0"/>
+                    </a:p>
+                  </a:txBody>
+                  <a:tcPr/>
+                </a:tc>
+                <a:tc>
+                  <a:txBody>
+                    <a:bodyPr/>
+                    <a:lstStyle/>
+                    <a:p>
+                      <a:pPr algn="ctr"/>
+                      <a:r>
+                        <a:rPr lang="en-US" dirty="0" smtClean="0"/>
+                        <a:t>8</a:t>
+                      </a:r>
+                      <a:endParaRPr lang="en-US" dirty="0"/>
+                    </a:p>
+                  </a:txBody>
+                  <a:tcPr/>
+                </a:tc>
+                <a:tc>
+                  <a:txBody>
+                    <a:bodyPr/>
+                    <a:lstStyle/>
+                    <a:p>
+                      <a:pPr algn="ctr"/>
+                      <a:endParaRPr lang="en-US" dirty="0"/>
+                    </a:p>
+                  </a:txBody>
+                  <a:tcPr/>
+                </a:tc>
+                <a:tc>
+                  <a:txBody>
+                    <a:bodyPr/>
+                    <a:lstStyle/>
+                    <a:p>
+                      <a:pPr algn="ctr"/>
+                      <a:endParaRPr lang="en-US" dirty="0"/>
+                    </a:p>
+                  </a:txBody>
+                  <a:tcPr/>
+                </a:tc>
+              </a:tr>
+              <a:tr h="370840">
+                <a:tc>
+                  <a:txBody>
+                    <a:bodyPr/>
+                    <a:lstStyle/>
+                    <a:p>
+                      <a:pPr algn="ctr"/>
+                      <a:r>
+                        <a:rPr lang="en-US" dirty="0" smtClean="0"/>
+                        <a:t>32</a:t>
+                      </a:r>
+                      <a:endParaRPr lang="en-US" dirty="0"/>
+                    </a:p>
+                  </a:txBody>
+                  <a:tcPr/>
+                </a:tc>
+                <a:tc>
+                  <a:txBody>
+                    <a:bodyPr/>
+                    <a:lstStyle/>
+                    <a:p>
+                      <a:pPr algn="ctr"/>
+                      <a:r>
+                        <a:rPr lang="en-US" dirty="0" smtClean="0"/>
+                        <a:t>1451</a:t>
+                      </a:r>
+                      <a:endParaRPr lang="en-US" dirty="0"/>
+                    </a:p>
+                  </a:txBody>
+                  <a:tcPr/>
+                </a:tc>
+                <a:tc>
+                  <a:txBody>
+                    <a:bodyPr/>
+                    <a:lstStyle/>
+                    <a:p>
+                      <a:pPr algn="ctr"/>
+                      <a:r>
+                        <a:rPr lang="en-US" dirty="0" smtClean="0"/>
+                        <a:t>8</a:t>
+                      </a:r>
+                      <a:endParaRPr lang="en-US" dirty="0"/>
+                    </a:p>
+                  </a:txBody>
+                  <a:tcPr/>
+                </a:tc>
+                <a:tc>
+                  <a:txBody>
+                    <a:bodyPr/>
+                    <a:lstStyle/>
+                    <a:p>
+                      <a:pPr algn="ctr"/>
+                      <a:endParaRPr lang="en-US" dirty="0"/>
+                    </a:p>
+                  </a:txBody>
+                  <a:tcPr/>
+                </a:tc>
+                <a:tc>
+                  <a:txBody>
+                    <a:bodyPr/>
+                    <a:lstStyle/>
+                    <a:p>
+                      <a:pPr algn="ctr"/>
+                      <a:endParaRPr lang="en-US" dirty="0"/>
+                    </a:p>
+                  </a:txBody>
+                  <a:tcPr/>
+                </a:tc>
+              </a:tr>
+            </a:tbl>
+          </a:graphicData>
+        </a:graphic>
+      </p:graphicFrame>
+    </p:spTree>
+    <p:extLst>
+      <p:ext uri="{BB962C8B-B14F-4D97-AF65-F5344CB8AC3E}">
+        <p14:creationId xmlns:p14="http://schemas.microsoft.com/office/powerpoint/2010/main" val="769981289"/>
+      </p:ext>
+    </p:extLst>
+  </p:cSld>
+  <p:clrMapOvr>
+    <a:masterClrMapping/>
+  </p:clrMapOvr>
+</p:sld>
+</file>
+
 <file path=ppt/slides/slide2.xml><?xml version="1.0" encoding="utf-8"?>
 <p:sld xmlns:a="http://schemas.openxmlformats.org/drawingml/2006/main" xmlns:r="http://schemas.openxmlformats.org/officeDocument/2006/relationships" xmlns:p="http://schemas.openxmlformats.org/presentationml/2006/main">
   <p:cSld>
@@ -5004,6 +5971,754 @@
       </p:par>
     </p:tnLst>
   </p:timing>
+</p:sld>
+</file>
+
+<file path=ppt/slides/slide20.xml><?xml version="1.0" encoding="utf-8"?>
+<p:sld xmlns:a="http://schemas.openxmlformats.org/drawingml/2006/main" xmlns:r="http://schemas.openxmlformats.org/officeDocument/2006/relationships" xmlns:p="http://schemas.openxmlformats.org/presentationml/2006/main">
+  <p:cSld>
+    <p:spTree>
+      <p:nvGrpSpPr>
+        <p:cNvPr id="1" name=""/>
+        <p:cNvGrpSpPr/>
+        <p:nvPr/>
+      </p:nvGrpSpPr>
+      <p:grpSpPr>
+        <a:xfrm>
+          <a:off x="0" y="0"/>
+          <a:ext cx="0" cy="0"/>
+          <a:chOff x="0" y="0"/>
+          <a:chExt cx="0" cy="0"/>
+        </a:xfrm>
+      </p:grpSpPr>
+      <p:sp>
+        <p:nvSpPr>
+          <p:cNvPr id="2" name="Title 1"/>
+          <p:cNvSpPr>
+            <a:spLocks noGrp="1"/>
+          </p:cNvSpPr>
+          <p:nvPr>
+            <p:ph type="title"/>
+          </p:nvPr>
+        </p:nvSpPr>
+        <p:spPr/>
+        <p:txBody>
+          <a:bodyPr/>
+          <a:lstStyle/>
+          <a:p>
+            <a:endParaRPr lang="en-US"/>
+          </a:p>
+        </p:txBody>
+      </p:sp>
+      <p:sp>
+        <p:nvSpPr>
+          <p:cNvPr id="3" name="Content Placeholder 2"/>
+          <p:cNvSpPr>
+            <a:spLocks noGrp="1"/>
+          </p:cNvSpPr>
+          <p:nvPr>
+            <p:ph idx="1"/>
+          </p:nvPr>
+        </p:nvSpPr>
+        <p:spPr/>
+        <p:txBody>
+          <a:bodyPr>
+            <a:normAutofit/>
+          </a:bodyPr>
+          <a:lstStyle/>
+          <a:p>
+            <a:r>
+              <a:rPr lang="en-US" dirty="0" smtClean="0"/>
+              <a:t>Tests:</a:t>
+            </a:r>
+          </a:p>
+          <a:p>
+            <a:pPr lvl="1"/>
+            <a:r>
+              <a:rPr lang="en-US" dirty="0" smtClean="0"/>
+              <a:t>K disjoint shortest paths:</a:t>
+            </a:r>
+          </a:p>
+          <a:p>
+            <a:pPr lvl="1"/>
+            <a:endParaRPr lang="en-US" dirty="0" smtClean="0"/>
+          </a:p>
+          <a:p>
+            <a:pPr lvl="1"/>
+            <a:endParaRPr lang="en-US" dirty="0"/>
+          </a:p>
+          <a:p>
+            <a:pPr lvl="1"/>
+            <a:endParaRPr lang="en-US" dirty="0" smtClean="0"/>
+          </a:p>
+          <a:p>
+            <a:pPr lvl="1"/>
+            <a:endParaRPr lang="en-US" dirty="0" smtClean="0"/>
+          </a:p>
+          <a:p>
+            <a:pPr lvl="1"/>
+            <a:endParaRPr lang="en-US" dirty="0" smtClean="0"/>
+          </a:p>
+        </p:txBody>
+      </p:sp>
+      <p:graphicFrame>
+        <p:nvGraphicFramePr>
+          <p:cNvPr id="5" name="Table 4"/>
+          <p:cNvGraphicFramePr>
+            <a:graphicFrameLocks noGrp="1"/>
+          </p:cNvGraphicFramePr>
+          <p:nvPr>
+            <p:extLst>
+              <p:ext uri="{D42A27DB-BD31-4B8C-83A1-F6EECF244321}">
+                <p14:modId xmlns:p14="http://schemas.microsoft.com/office/powerpoint/2010/main" val="3245744000"/>
+              </p:ext>
+            </p:extLst>
+          </p:nvPr>
+        </p:nvGraphicFramePr>
+        <p:xfrm>
+          <a:off x="1653881" y="2887520"/>
+          <a:ext cx="6096000" cy="3606800"/>
+        </p:xfrm>
+        <a:graphic>
+          <a:graphicData uri="http://schemas.openxmlformats.org/drawingml/2006/table">
+            <a:tbl>
+              <a:tblPr firstRow="1" bandRow="1">
+                <a:tableStyleId>{5C22544A-7EE6-4342-B048-85BDC9FD1C3A}</a:tableStyleId>
+              </a:tblPr>
+              <a:tblGrid>
+                <a:gridCol w="1219200"/>
+                <a:gridCol w="1219200"/>
+                <a:gridCol w="1219200"/>
+                <a:gridCol w="1219200"/>
+                <a:gridCol w="1219200"/>
+              </a:tblGrid>
+              <a:tr h="370840">
+                <a:tc>
+                  <a:txBody>
+                    <a:bodyPr/>
+                    <a:lstStyle/>
+                    <a:p>
+                      <a:pPr algn="ctr"/>
+                      <a:endParaRPr lang="en-US" dirty="0"/>
+                    </a:p>
+                  </a:txBody>
+                  <a:tcPr/>
+                </a:tc>
+                <a:tc gridSpan="2">
+                  <a:txBody>
+                    <a:bodyPr/>
+                    <a:lstStyle/>
+                    <a:p>
+                      <a:pPr algn="ctr"/>
+                      <a:r>
+                        <a:rPr lang="en-US" dirty="0" smtClean="0"/>
+                        <a:t>Paths</a:t>
+                      </a:r>
+                      <a:r>
+                        <a:rPr lang="en-US" baseline="0" dirty="0" smtClean="0"/>
+                        <a:t> by Yen’s </a:t>
+                      </a:r>
+                      <a:r>
+                        <a:rPr lang="en-US" baseline="0" dirty="0" err="1" smtClean="0"/>
+                        <a:t>alg</a:t>
+                      </a:r>
+                      <a:endParaRPr lang="en-US" dirty="0"/>
+                    </a:p>
+                  </a:txBody>
+                  <a:tcPr/>
+                </a:tc>
+                <a:tc hMerge="1">
+                  <a:txBody>
+                    <a:bodyPr/>
+                    <a:lstStyle/>
+                    <a:p>
+                      <a:pPr algn="ctr"/>
+                      <a:endParaRPr lang="en-US" dirty="0"/>
+                    </a:p>
+                  </a:txBody>
+                  <a:tcPr/>
+                </a:tc>
+                <a:tc gridSpan="2">
+                  <a:txBody>
+                    <a:bodyPr/>
+                    <a:lstStyle/>
+                    <a:p>
+                      <a:pPr algn="ctr"/>
+                      <a:r>
+                        <a:rPr lang="en-US" dirty="0" smtClean="0"/>
+                        <a:t>Selected</a:t>
+                      </a:r>
+                      <a:r>
+                        <a:rPr lang="en-US" baseline="0" dirty="0" smtClean="0"/>
+                        <a:t> paths by the model</a:t>
+                      </a:r>
+                      <a:endParaRPr lang="en-US" dirty="0"/>
+                    </a:p>
+                  </a:txBody>
+                  <a:tcPr/>
+                </a:tc>
+                <a:tc hMerge="1">
+                  <a:txBody>
+                    <a:bodyPr/>
+                    <a:lstStyle/>
+                    <a:p>
+                      <a:pPr algn="ctr"/>
+                      <a:endParaRPr lang="en-US" dirty="0"/>
+                    </a:p>
+                  </a:txBody>
+                  <a:tcPr/>
+                </a:tc>
+              </a:tr>
+              <a:tr h="370840">
+                <a:tc>
+                  <a:txBody>
+                    <a:bodyPr/>
+                    <a:lstStyle/>
+                    <a:p>
+                      <a:pPr algn="ctr"/>
+                      <a:r>
+                        <a:rPr lang="en-US" dirty="0" smtClean="0"/>
+                        <a:t>k</a:t>
+                      </a:r>
+                      <a:endParaRPr lang="en-US" dirty="0"/>
+                    </a:p>
+                  </a:txBody>
+                  <a:tcPr/>
+                </a:tc>
+                <a:tc>
+                  <a:txBody>
+                    <a:bodyPr/>
+                    <a:lstStyle/>
+                    <a:p>
+                      <a:pPr algn="ctr"/>
+                      <a:r>
+                        <a:rPr lang="en-US" dirty="0" err="1" smtClean="0"/>
+                        <a:t>Max_load</a:t>
+                      </a:r>
+                      <a:endParaRPr lang="en-US" dirty="0"/>
+                    </a:p>
+                  </a:txBody>
+                  <a:tcPr/>
+                </a:tc>
+                <a:tc>
+                  <a:txBody>
+                    <a:bodyPr/>
+                    <a:lstStyle/>
+                    <a:p>
+                      <a:pPr algn="ctr"/>
+                      <a:r>
+                        <a:rPr lang="en-US" dirty="0" err="1" smtClean="0"/>
+                        <a:t>Max_hops</a:t>
+                      </a:r>
+                      <a:endParaRPr lang="en-US" dirty="0"/>
+                    </a:p>
+                  </a:txBody>
+                  <a:tcPr/>
+                </a:tc>
+                <a:tc>
+                  <a:txBody>
+                    <a:bodyPr/>
+                    <a:lstStyle/>
+                    <a:p>
+                      <a:pPr algn="ctr"/>
+                      <a:r>
+                        <a:rPr lang="en-US" dirty="0" err="1" smtClean="0"/>
+                        <a:t>Max_load</a:t>
+                      </a:r>
+                      <a:endParaRPr lang="en-US" dirty="0"/>
+                    </a:p>
+                  </a:txBody>
+                  <a:tcPr/>
+                </a:tc>
+                <a:tc>
+                  <a:txBody>
+                    <a:bodyPr/>
+                    <a:lstStyle/>
+                    <a:p>
+                      <a:pPr algn="ctr"/>
+                      <a:r>
+                        <a:rPr lang="en-US" dirty="0" err="1" smtClean="0"/>
+                        <a:t>Max_hops</a:t>
+                      </a:r>
+                      <a:endParaRPr lang="en-US" dirty="0"/>
+                    </a:p>
+                  </a:txBody>
+                  <a:tcPr/>
+                </a:tc>
+              </a:tr>
+              <a:tr h="370840">
+                <a:tc>
+                  <a:txBody>
+                    <a:bodyPr/>
+                    <a:lstStyle/>
+                    <a:p>
+                      <a:pPr algn="ctr"/>
+                      <a:r>
+                        <a:rPr lang="en-US" dirty="0" smtClean="0"/>
+                        <a:t>1</a:t>
+                      </a:r>
+                      <a:endParaRPr lang="en-US" dirty="0"/>
+                    </a:p>
+                  </a:txBody>
+                  <a:tcPr/>
+                </a:tc>
+                <a:tc>
+                  <a:txBody>
+                    <a:bodyPr/>
+                    <a:lstStyle/>
+                    <a:p>
+                      <a:pPr algn="ctr"/>
+                      <a:r>
+                        <a:rPr lang="en-US" dirty="0" smtClean="0"/>
+                        <a:t>55</a:t>
+                      </a:r>
+                      <a:endParaRPr lang="en-US" dirty="0"/>
+                    </a:p>
+                  </a:txBody>
+                  <a:tcPr/>
+                </a:tc>
+                <a:tc>
+                  <a:txBody>
+                    <a:bodyPr/>
+                    <a:lstStyle/>
+                    <a:p>
+                      <a:pPr algn="ctr"/>
+                      <a:r>
+                        <a:rPr lang="en-US" dirty="0" smtClean="0"/>
+                        <a:t>8</a:t>
+                      </a:r>
+                      <a:endParaRPr lang="en-US" dirty="0"/>
+                    </a:p>
+                  </a:txBody>
+                  <a:tcPr/>
+                </a:tc>
+                <a:tc>
+                  <a:txBody>
+                    <a:bodyPr/>
+                    <a:lstStyle/>
+                    <a:p>
+                      <a:pPr algn="ctr"/>
+                      <a:endParaRPr lang="en-US" dirty="0"/>
+                    </a:p>
+                  </a:txBody>
+                  <a:tcPr/>
+                </a:tc>
+                <a:tc>
+                  <a:txBody>
+                    <a:bodyPr/>
+                    <a:lstStyle/>
+                    <a:p>
+                      <a:pPr algn="ctr"/>
+                      <a:endParaRPr lang="en-US" dirty="0"/>
+                    </a:p>
+                  </a:txBody>
+                  <a:tcPr/>
+                </a:tc>
+              </a:tr>
+              <a:tr h="370840">
+                <a:tc>
+                  <a:txBody>
+                    <a:bodyPr/>
+                    <a:lstStyle/>
+                    <a:p>
+                      <a:pPr algn="ctr"/>
+                      <a:r>
+                        <a:rPr lang="en-US" dirty="0" smtClean="0"/>
+                        <a:t>2</a:t>
+                      </a:r>
+                      <a:endParaRPr lang="en-US" dirty="0"/>
+                    </a:p>
+                  </a:txBody>
+                  <a:tcPr/>
+                </a:tc>
+                <a:tc>
+                  <a:txBody>
+                    <a:bodyPr/>
+                    <a:lstStyle/>
+                    <a:p>
+                      <a:pPr algn="ctr"/>
+                      <a:r>
+                        <a:rPr lang="en-US" dirty="0" smtClean="0"/>
+                        <a:t>92</a:t>
+                      </a:r>
+                      <a:endParaRPr lang="en-US" dirty="0"/>
+                    </a:p>
+                  </a:txBody>
+                  <a:tcPr/>
+                </a:tc>
+                <a:tc>
+                  <a:txBody>
+                    <a:bodyPr/>
+                    <a:lstStyle/>
+                    <a:p>
+                      <a:pPr algn="ctr"/>
+                      <a:r>
+                        <a:rPr lang="en-US" dirty="0" smtClean="0"/>
+                        <a:t>8</a:t>
+                      </a:r>
+                      <a:endParaRPr lang="en-US" dirty="0"/>
+                    </a:p>
+                  </a:txBody>
+                  <a:tcPr/>
+                </a:tc>
+                <a:tc>
+                  <a:txBody>
+                    <a:bodyPr/>
+                    <a:lstStyle/>
+                    <a:p>
+                      <a:pPr algn="ctr"/>
+                      <a:endParaRPr lang="en-US" dirty="0"/>
+                    </a:p>
+                  </a:txBody>
+                  <a:tcPr/>
+                </a:tc>
+                <a:tc>
+                  <a:txBody>
+                    <a:bodyPr/>
+                    <a:lstStyle/>
+                    <a:p>
+                      <a:pPr algn="ctr"/>
+                      <a:endParaRPr lang="en-US" dirty="0"/>
+                    </a:p>
+                  </a:txBody>
+                  <a:tcPr/>
+                </a:tc>
+              </a:tr>
+              <a:tr h="370840">
+                <a:tc>
+                  <a:txBody>
+                    <a:bodyPr/>
+                    <a:lstStyle/>
+                    <a:p>
+                      <a:pPr algn="ctr"/>
+                      <a:r>
+                        <a:rPr lang="en-US" dirty="0" smtClean="0"/>
+                        <a:t>3</a:t>
+                      </a:r>
+                      <a:endParaRPr lang="en-US" dirty="0"/>
+                    </a:p>
+                  </a:txBody>
+                  <a:tcPr/>
+                </a:tc>
+                <a:tc>
+                  <a:txBody>
+                    <a:bodyPr/>
+                    <a:lstStyle/>
+                    <a:p>
+                      <a:pPr algn="ctr"/>
+                      <a:r>
+                        <a:rPr lang="en-US" dirty="0" smtClean="0"/>
+                        <a:t>132</a:t>
+                      </a:r>
+                      <a:endParaRPr lang="en-US" dirty="0"/>
+                    </a:p>
+                  </a:txBody>
+                  <a:tcPr/>
+                </a:tc>
+                <a:tc>
+                  <a:txBody>
+                    <a:bodyPr/>
+                    <a:lstStyle/>
+                    <a:p>
+                      <a:pPr algn="ctr"/>
+                      <a:r>
+                        <a:rPr lang="en-US" dirty="0" smtClean="0"/>
+                        <a:t>8</a:t>
+                      </a:r>
+                      <a:endParaRPr lang="en-US" dirty="0"/>
+                    </a:p>
+                  </a:txBody>
+                  <a:tcPr/>
+                </a:tc>
+                <a:tc>
+                  <a:txBody>
+                    <a:bodyPr/>
+                    <a:lstStyle/>
+                    <a:p>
+                      <a:pPr algn="ctr"/>
+                      <a:endParaRPr lang="en-US" dirty="0"/>
+                    </a:p>
+                  </a:txBody>
+                  <a:tcPr/>
+                </a:tc>
+                <a:tc>
+                  <a:txBody>
+                    <a:bodyPr/>
+                    <a:lstStyle/>
+                    <a:p>
+                      <a:pPr algn="ctr"/>
+                      <a:endParaRPr lang="en-US" dirty="0"/>
+                    </a:p>
+                  </a:txBody>
+                  <a:tcPr/>
+                </a:tc>
+              </a:tr>
+              <a:tr h="370840">
+                <a:tc>
+                  <a:txBody>
+                    <a:bodyPr/>
+                    <a:lstStyle/>
+                    <a:p>
+                      <a:pPr algn="ctr"/>
+                      <a:r>
+                        <a:rPr lang="en-US" dirty="0" smtClean="0"/>
+                        <a:t>4</a:t>
+                      </a:r>
+                      <a:endParaRPr lang="en-US" dirty="0"/>
+                    </a:p>
+                  </a:txBody>
+                  <a:tcPr/>
+                </a:tc>
+                <a:tc>
+                  <a:txBody>
+                    <a:bodyPr/>
+                    <a:lstStyle/>
+                    <a:p>
+                      <a:pPr algn="ctr"/>
+                      <a:r>
+                        <a:rPr lang="en-US" dirty="0" smtClean="0"/>
+                        <a:t>171</a:t>
+                      </a:r>
+                      <a:endParaRPr lang="en-US" dirty="0"/>
+                    </a:p>
+                  </a:txBody>
+                  <a:tcPr/>
+                </a:tc>
+                <a:tc>
+                  <a:txBody>
+                    <a:bodyPr/>
+                    <a:lstStyle/>
+                    <a:p>
+                      <a:pPr algn="ctr"/>
+                      <a:r>
+                        <a:rPr lang="en-US" dirty="0" smtClean="0"/>
+                        <a:t>8</a:t>
+                      </a:r>
+                      <a:endParaRPr lang="en-US" dirty="0"/>
+                    </a:p>
+                  </a:txBody>
+                  <a:tcPr/>
+                </a:tc>
+                <a:tc>
+                  <a:txBody>
+                    <a:bodyPr/>
+                    <a:lstStyle/>
+                    <a:p>
+                      <a:pPr algn="ctr"/>
+                      <a:endParaRPr lang="en-US" dirty="0"/>
+                    </a:p>
+                  </a:txBody>
+                  <a:tcPr/>
+                </a:tc>
+                <a:tc>
+                  <a:txBody>
+                    <a:bodyPr/>
+                    <a:lstStyle/>
+                    <a:p>
+                      <a:pPr algn="ctr"/>
+                      <a:endParaRPr lang="en-US" dirty="0"/>
+                    </a:p>
+                  </a:txBody>
+                  <a:tcPr/>
+                </a:tc>
+              </a:tr>
+              <a:tr h="370840">
+                <a:tc>
+                  <a:txBody>
+                    <a:bodyPr/>
+                    <a:lstStyle/>
+                    <a:p>
+                      <a:pPr algn="ctr"/>
+                      <a:r>
+                        <a:rPr lang="en-US" dirty="0" smtClean="0"/>
+                        <a:t>8</a:t>
+                      </a:r>
+                      <a:endParaRPr lang="en-US" dirty="0"/>
+                    </a:p>
+                  </a:txBody>
+                  <a:tcPr/>
+                </a:tc>
+                <a:tc>
+                  <a:txBody>
+                    <a:bodyPr/>
+                    <a:lstStyle/>
+                    <a:p>
+                      <a:pPr algn="ctr"/>
+                      <a:endParaRPr lang="en-US" dirty="0"/>
+                    </a:p>
+                  </a:txBody>
+                  <a:tcPr/>
+                </a:tc>
+                <a:tc>
+                  <a:txBody>
+                    <a:bodyPr/>
+                    <a:lstStyle/>
+                    <a:p>
+                      <a:pPr algn="ctr"/>
+                      <a:endParaRPr lang="en-US" dirty="0"/>
+                    </a:p>
+                  </a:txBody>
+                  <a:tcPr/>
+                </a:tc>
+                <a:tc>
+                  <a:txBody>
+                    <a:bodyPr/>
+                    <a:lstStyle/>
+                    <a:p>
+                      <a:pPr algn="ctr"/>
+                      <a:endParaRPr lang="en-US" dirty="0"/>
+                    </a:p>
+                  </a:txBody>
+                  <a:tcPr/>
+                </a:tc>
+                <a:tc>
+                  <a:txBody>
+                    <a:bodyPr/>
+                    <a:lstStyle/>
+                    <a:p>
+                      <a:pPr algn="ctr"/>
+                      <a:endParaRPr lang="en-US" dirty="0"/>
+                    </a:p>
+                  </a:txBody>
+                  <a:tcPr/>
+                </a:tc>
+              </a:tr>
+              <a:tr h="370840">
+                <a:tc>
+                  <a:txBody>
+                    <a:bodyPr/>
+                    <a:lstStyle/>
+                    <a:p>
+                      <a:pPr algn="ctr"/>
+                      <a:r>
+                        <a:rPr lang="en-US" dirty="0" smtClean="0"/>
+                        <a:t>16</a:t>
+                      </a:r>
+                      <a:endParaRPr lang="en-US" dirty="0"/>
+                    </a:p>
+                  </a:txBody>
+                  <a:tcPr/>
+                </a:tc>
+                <a:tc>
+                  <a:txBody>
+                    <a:bodyPr/>
+                    <a:lstStyle/>
+                    <a:p>
+                      <a:pPr algn="ctr"/>
+                      <a:endParaRPr lang="en-US" dirty="0"/>
+                    </a:p>
+                  </a:txBody>
+                  <a:tcPr/>
+                </a:tc>
+                <a:tc>
+                  <a:txBody>
+                    <a:bodyPr/>
+                    <a:lstStyle/>
+                    <a:p>
+                      <a:pPr algn="ctr"/>
+                      <a:endParaRPr lang="en-US" dirty="0"/>
+                    </a:p>
+                  </a:txBody>
+                  <a:tcPr/>
+                </a:tc>
+                <a:tc>
+                  <a:txBody>
+                    <a:bodyPr/>
+                    <a:lstStyle/>
+                    <a:p>
+                      <a:pPr algn="ctr"/>
+                      <a:endParaRPr lang="en-US" dirty="0"/>
+                    </a:p>
+                  </a:txBody>
+                  <a:tcPr/>
+                </a:tc>
+                <a:tc>
+                  <a:txBody>
+                    <a:bodyPr/>
+                    <a:lstStyle/>
+                    <a:p>
+                      <a:pPr algn="ctr"/>
+                      <a:endParaRPr lang="en-US" dirty="0"/>
+                    </a:p>
+                  </a:txBody>
+                  <a:tcPr/>
+                </a:tc>
+              </a:tr>
+              <a:tr h="370840">
+                <a:tc>
+                  <a:txBody>
+                    <a:bodyPr/>
+                    <a:lstStyle/>
+                    <a:p>
+                      <a:pPr algn="ctr"/>
+                      <a:r>
+                        <a:rPr lang="en-US" dirty="0" smtClean="0"/>
+                        <a:t>32</a:t>
+                      </a:r>
+                      <a:endParaRPr lang="en-US" dirty="0"/>
+                    </a:p>
+                  </a:txBody>
+                  <a:tcPr/>
+                </a:tc>
+                <a:tc>
+                  <a:txBody>
+                    <a:bodyPr/>
+                    <a:lstStyle/>
+                    <a:p>
+                      <a:pPr algn="ctr"/>
+                      <a:endParaRPr lang="en-US" dirty="0"/>
+                    </a:p>
+                  </a:txBody>
+                  <a:tcPr/>
+                </a:tc>
+                <a:tc>
+                  <a:txBody>
+                    <a:bodyPr/>
+                    <a:lstStyle/>
+                    <a:p>
+                      <a:pPr algn="ctr"/>
+                      <a:endParaRPr lang="en-US" dirty="0"/>
+                    </a:p>
+                  </a:txBody>
+                  <a:tcPr/>
+                </a:tc>
+                <a:tc>
+                  <a:txBody>
+                    <a:bodyPr/>
+                    <a:lstStyle/>
+                    <a:p>
+                      <a:pPr algn="ctr"/>
+                      <a:endParaRPr lang="en-US" dirty="0"/>
+                    </a:p>
+                  </a:txBody>
+                  <a:tcPr/>
+                </a:tc>
+                <a:tc>
+                  <a:txBody>
+                    <a:bodyPr/>
+                    <a:lstStyle/>
+                    <a:p>
+                      <a:pPr algn="ctr"/>
+                      <a:endParaRPr lang="en-US" dirty="0"/>
+                    </a:p>
+                  </a:txBody>
+                  <a:tcPr/>
+                </a:tc>
+              </a:tr>
+            </a:tbl>
+          </a:graphicData>
+        </a:graphic>
+      </p:graphicFrame>
+    </p:spTree>
+    <p:extLst>
+      <p:ext uri="{BB962C8B-B14F-4D97-AF65-F5344CB8AC3E}">
+        <p14:creationId xmlns:p14="http://schemas.microsoft.com/office/powerpoint/2010/main" val="3556912767"/>
+      </p:ext>
+    </p:extLst>
+  </p:cSld>
+  <p:clrMapOvr>
+    <a:masterClrMapping/>
+  </p:clrMapOvr>
 </p:sld>
 </file>
 

--- a/docs/argonne_weekly_update.pptx
+++ b/docs/argonne_weekly_update.pptx
@@ -337,7 +337,7 @@
           <a:p>
             <a:fld id="{845E5202-FE1C-7248-B986-0C23BA3B595C}" type="datetimeFigureOut">
               <a:rPr lang="en-US" smtClean="0"/>
-              <a:t>1/21/15</a:t>
+              <a:t>1/22/15</a:t>
             </a:fld>
             <a:endParaRPr lang="en-US"/>
           </a:p>
@@ -507,7 +507,7 @@
           <a:p>
             <a:fld id="{845E5202-FE1C-7248-B986-0C23BA3B595C}" type="datetimeFigureOut">
               <a:rPr lang="en-US" smtClean="0"/>
-              <a:t>1/21/15</a:t>
+              <a:t>1/22/15</a:t>
             </a:fld>
             <a:endParaRPr lang="en-US"/>
           </a:p>
@@ -687,7 +687,7 @@
           <a:p>
             <a:fld id="{845E5202-FE1C-7248-B986-0C23BA3B595C}" type="datetimeFigureOut">
               <a:rPr lang="en-US" smtClean="0"/>
-              <a:t>1/21/15</a:t>
+              <a:t>1/22/15</a:t>
             </a:fld>
             <a:endParaRPr lang="en-US"/>
           </a:p>
@@ -857,7 +857,7 @@
           <a:p>
             <a:fld id="{845E5202-FE1C-7248-B986-0C23BA3B595C}" type="datetimeFigureOut">
               <a:rPr lang="en-US" smtClean="0"/>
-              <a:t>1/21/15</a:t>
+              <a:t>1/22/15</a:t>
             </a:fld>
             <a:endParaRPr lang="en-US"/>
           </a:p>
@@ -1103,7 +1103,7 @@
           <a:p>
             <a:fld id="{845E5202-FE1C-7248-B986-0C23BA3B595C}" type="datetimeFigureOut">
               <a:rPr lang="en-US" smtClean="0"/>
-              <a:t>1/21/15</a:t>
+              <a:t>1/22/15</a:t>
             </a:fld>
             <a:endParaRPr lang="en-US"/>
           </a:p>
@@ -1391,7 +1391,7 @@
           <a:p>
             <a:fld id="{845E5202-FE1C-7248-B986-0C23BA3B595C}" type="datetimeFigureOut">
               <a:rPr lang="en-US" smtClean="0"/>
-              <a:t>1/21/15</a:t>
+              <a:t>1/22/15</a:t>
             </a:fld>
             <a:endParaRPr lang="en-US"/>
           </a:p>
@@ -1813,7 +1813,7 @@
           <a:p>
             <a:fld id="{845E5202-FE1C-7248-B986-0C23BA3B595C}" type="datetimeFigureOut">
               <a:rPr lang="en-US" smtClean="0"/>
-              <a:t>1/21/15</a:t>
+              <a:t>1/22/15</a:t>
             </a:fld>
             <a:endParaRPr lang="en-US"/>
           </a:p>
@@ -1931,7 +1931,7 @@
           <a:p>
             <a:fld id="{845E5202-FE1C-7248-B986-0C23BA3B595C}" type="datetimeFigureOut">
               <a:rPr lang="en-US" smtClean="0"/>
-              <a:t>1/21/15</a:t>
+              <a:t>1/22/15</a:t>
             </a:fld>
             <a:endParaRPr lang="en-US"/>
           </a:p>
@@ -2026,7 +2026,7 @@
           <a:p>
             <a:fld id="{845E5202-FE1C-7248-B986-0C23BA3B595C}" type="datetimeFigureOut">
               <a:rPr lang="en-US" smtClean="0"/>
-              <a:t>1/21/15</a:t>
+              <a:t>1/22/15</a:t>
             </a:fld>
             <a:endParaRPr lang="en-US"/>
           </a:p>
@@ -2303,7 +2303,7 @@
           <a:p>
             <a:fld id="{845E5202-FE1C-7248-B986-0C23BA3B595C}" type="datetimeFigureOut">
               <a:rPr lang="en-US" smtClean="0"/>
-              <a:t>1/21/15</a:t>
+              <a:t>1/22/15</a:t>
             </a:fld>
             <a:endParaRPr lang="en-US"/>
           </a:p>
@@ -2556,7 +2556,7 @@
           <a:p>
             <a:fld id="{845E5202-FE1C-7248-B986-0C23BA3B595C}" type="datetimeFigureOut">
               <a:rPr lang="en-US" smtClean="0"/>
-              <a:t>1/21/15</a:t>
+              <a:t>1/22/15</a:t>
             </a:fld>
             <a:endParaRPr lang="en-US"/>
           </a:p>
@@ -2769,7 +2769,7 @@
           <a:p>
             <a:fld id="{845E5202-FE1C-7248-B986-0C23BA3B595C}" type="datetimeFigureOut">
               <a:rPr lang="en-US" smtClean="0"/>
-              <a:t>1/21/15</a:t>
+              <a:t>1/22/15</a:t>
             </a:fld>
             <a:endParaRPr lang="en-US"/>
           </a:p>
@@ -4932,7 +4932,15 @@
           <a:p>
             <a:r>
               <a:rPr lang="en-US" dirty="0" smtClean="0"/>
-              <a:t>k shortest paths between 2 nodes:</a:t>
+              <a:t>Path-based model: </a:t>
+            </a:r>
+            <a:r>
+              <a:rPr lang="en-US" dirty="0" smtClean="0"/>
+              <a:t>k </a:t>
+            </a:r>
+            <a:r>
+              <a:rPr lang="en-US" dirty="0" smtClean="0"/>
+              <a:t>shortest paths between 2 nodes:</a:t>
             </a:r>
           </a:p>
           <a:p>
@@ -4997,6 +5005,13 @@
             <a:r>
               <a:rPr lang="en-US" dirty="0" smtClean="0"/>
               <a:t>.</a:t>
+            </a:r>
+          </a:p>
+          <a:p>
+            <a:pPr lvl="2"/>
+            <a:r>
+              <a:rPr lang="en-US" dirty="0" smtClean="0"/>
+              <a:t>Read the paths, compare max load, max number of hops.</a:t>
             </a:r>
             <a:endParaRPr lang="en-US" dirty="0"/>
           </a:p>
@@ -5158,7 +5173,7 @@
           <p:nvPr>
             <p:extLst>
               <p:ext uri="{D42A27DB-BD31-4B8C-83A1-F6EECF244321}">
-                <p14:modId xmlns:p14="http://schemas.microsoft.com/office/powerpoint/2010/main" val="3737270993"/>
+                <p14:modId xmlns:p14="http://schemas.microsoft.com/office/powerpoint/2010/main" val="485081612"/>
               </p:ext>
             </p:extLst>
           </p:nvPr>
@@ -5455,6 +5470,10 @@
                     <a:lstStyle/>
                     <a:p>
                       <a:pPr algn="ctr"/>
+                      <a:r>
+                        <a:rPr lang="en-US" dirty="0" smtClean="0"/>
+                        <a:t>41</a:t>
+                      </a:r>
                       <a:endParaRPr lang="en-US" dirty="0"/>
                     </a:p>
                   </a:txBody>
@@ -5466,6 +5485,10 @@
                     <a:lstStyle/>
                     <a:p>
                       <a:pPr algn="ctr"/>
+                      <a:r>
+                        <a:rPr lang="en-US" dirty="0" smtClean="0"/>
+                        <a:t>8</a:t>
+                      </a:r>
                       <a:endParaRPr lang="en-US" dirty="0"/>
                     </a:p>
                   </a:txBody>
@@ -5524,6 +5547,10 @@
                     <a:lstStyle/>
                     <a:p>
                       <a:pPr algn="ctr"/>
+                      <a:r>
+                        <a:rPr lang="en-US" dirty="0" smtClean="0"/>
+                        <a:t>40</a:t>
+                      </a:r>
                       <a:endParaRPr lang="en-US" dirty="0"/>
                     </a:p>
                   </a:txBody>
@@ -5535,6 +5562,10 @@
                     <a:lstStyle/>
                     <a:p>
                       <a:pPr algn="ctr"/>
+                      <a:r>
+                        <a:rPr lang="en-US" dirty="0" smtClean="0"/>
+                        <a:t>8</a:t>
+                      </a:r>
                       <a:endParaRPr lang="en-US" dirty="0"/>
                     </a:p>
                   </a:txBody>
@@ -5593,6 +5624,10 @@
                     <a:lstStyle/>
                     <a:p>
                       <a:pPr algn="ctr"/>
+                      <a:r>
+                        <a:rPr lang="en-US" dirty="0" smtClean="0"/>
+                        <a:t>39</a:t>
+                      </a:r>
                       <a:endParaRPr lang="en-US" dirty="0"/>
                     </a:p>
                   </a:txBody>
@@ -5604,6 +5639,10 @@
                     <a:lstStyle/>
                     <a:p>
                       <a:pPr algn="ctr"/>
+                      <a:r>
+                        <a:rPr lang="en-US" dirty="0" smtClean="0"/>
+                        <a:t>8</a:t>
+                      </a:r>
                       <a:endParaRPr lang="en-US" dirty="0"/>
                     </a:p>
                   </a:txBody>
@@ -5662,6 +5701,10 @@
                     <a:lstStyle/>
                     <a:p>
                       <a:pPr algn="ctr"/>
+                      <a:r>
+                        <a:rPr lang="en-US" dirty="0" smtClean="0"/>
+                        <a:t>40</a:t>
+                      </a:r>
                       <a:endParaRPr lang="en-US" dirty="0"/>
                     </a:p>
                   </a:txBody>
@@ -5673,6 +5716,10 @@
                     <a:lstStyle/>
                     <a:p>
                       <a:pPr algn="ctr"/>
+                      <a:r>
+                        <a:rPr lang="en-US" dirty="0" smtClean="0"/>
+                        <a:t>8</a:t>
+                      </a:r>
                       <a:endParaRPr lang="en-US" dirty="0"/>
                     </a:p>
                   </a:txBody>
@@ -5731,6 +5778,10 @@
                     <a:lstStyle/>
                     <a:p>
                       <a:pPr algn="ctr"/>
+                      <a:r>
+                        <a:rPr lang="en-US" dirty="0" smtClean="0"/>
+                        <a:t>40</a:t>
+                      </a:r>
                       <a:endParaRPr lang="en-US" dirty="0"/>
                     </a:p>
                   </a:txBody>
@@ -5742,6 +5793,10 @@
                     <a:lstStyle/>
                     <a:p>
                       <a:pPr algn="ctr"/>
+                      <a:r>
+                        <a:rPr lang="en-US" dirty="0" smtClean="0"/>
+                        <a:t>8</a:t>
+                      </a:r>
                       <a:endParaRPr lang="en-US" dirty="0"/>
                     </a:p>
                   </a:txBody>
@@ -5800,6 +5855,10 @@
                     <a:lstStyle/>
                     <a:p>
                       <a:pPr algn="ctr"/>
+                      <a:r>
+                        <a:rPr lang="en-US" dirty="0" smtClean="0"/>
+                        <a:t>39</a:t>
+                      </a:r>
                       <a:endParaRPr lang="en-US" dirty="0"/>
                     </a:p>
                   </a:txBody>
@@ -5811,6 +5870,10 @@
                     <a:lstStyle/>
                     <a:p>
                       <a:pPr algn="ctr"/>
+                      <a:r>
+                        <a:rPr lang="en-US" dirty="0" smtClean="0"/>
+                        <a:t>8</a:t>
+                      </a:r>
                       <a:endParaRPr lang="en-US" dirty="0"/>
                     </a:p>
                   </a:txBody>
@@ -6023,7 +6086,7 @@
         <p:spPr/>
         <p:txBody>
           <a:bodyPr>
-            <a:normAutofit/>
+            <a:normAutofit fontScale="85000" lnSpcReduction="20000"/>
           </a:bodyPr>
           <a:lstStyle/>
           <a:p>
@@ -6057,6 +6120,26 @@
           </a:p>
           <a:p>
             <a:pPr lvl="1"/>
+            <a:endParaRPr lang="en-US" dirty="0" smtClean="0"/>
+          </a:p>
+          <a:p>
+            <a:pPr lvl="1"/>
+            <a:endParaRPr lang="en-US" dirty="0"/>
+          </a:p>
+          <a:p>
+            <a:pPr lvl="1"/>
+            <a:endParaRPr lang="en-US" dirty="0" smtClean="0"/>
+          </a:p>
+          <a:p>
+            <a:pPr lvl="1"/>
+            <a:endParaRPr lang="en-US" dirty="0" smtClean="0"/>
+          </a:p>
+          <a:p>
+            <a:pPr lvl="1"/>
+            <a:r>
+              <a:rPr lang="en-US" dirty="0" smtClean="0"/>
+              <a:t>Performance for both cases are similar to heuristic algorithm (20GB/s).</a:t>
+            </a:r>
             <a:endParaRPr lang="en-US" dirty="0" smtClean="0"/>
           </a:p>
         </p:txBody>
@@ -6070,14 +6153,14 @@
           <p:nvPr>
             <p:extLst>
               <p:ext uri="{D42A27DB-BD31-4B8C-83A1-F6EECF244321}">
-                <p14:modId xmlns:p14="http://schemas.microsoft.com/office/powerpoint/2010/main" val="3245744000"/>
+                <p14:modId xmlns:p14="http://schemas.microsoft.com/office/powerpoint/2010/main" val="469694058"/>
               </p:ext>
             </p:extLst>
           </p:nvPr>
         </p:nvGraphicFramePr>
         <p:xfrm>
-          <a:off x="1653881" y="2887520"/>
-          <a:ext cx="6096000" cy="3606800"/>
+          <a:off x="1653881" y="2607412"/>
+          <a:ext cx="6096000" cy="2494280"/>
         </p:xfrm>
         <a:graphic>
           <a:graphicData uri="http://schemas.openxmlformats.org/drawingml/2006/table">
@@ -6367,6 +6450,10 @@
                     <a:lstStyle/>
                     <a:p>
                       <a:pPr algn="ctr"/>
+                      <a:r>
+                        <a:rPr lang="en-US" dirty="0" smtClean="0"/>
+                        <a:t>40</a:t>
+                      </a:r>
                       <a:endParaRPr lang="en-US" dirty="0"/>
                     </a:p>
                   </a:txBody>
@@ -6378,6 +6465,10 @@
                     <a:lstStyle/>
                     <a:p>
                       <a:pPr algn="ctr"/>
+                      <a:r>
+                        <a:rPr lang="en-US" dirty="0" smtClean="0"/>
+                        <a:t>8</a:t>
+                      </a:r>
                       <a:endParaRPr lang="en-US" dirty="0"/>
                     </a:p>
                   </a:txBody>
@@ -6436,6 +6527,10 @@
                     <a:lstStyle/>
                     <a:p>
                       <a:pPr algn="ctr"/>
+                      <a:r>
+                        <a:rPr lang="en-US" dirty="0" smtClean="0"/>
+                        <a:t>40</a:t>
+                      </a:r>
                       <a:endParaRPr lang="en-US" dirty="0"/>
                     </a:p>
                   </a:txBody>
@@ -6447,6 +6542,10 @@
                     <a:lstStyle/>
                     <a:p>
                       <a:pPr algn="ctr"/>
+                      <a:r>
+                        <a:rPr lang="en-US" dirty="0" smtClean="0"/>
+                        <a:t>8</a:t>
+                      </a:r>
                       <a:endParaRPr lang="en-US" dirty="0"/>
                     </a:p>
                   </a:txBody>
@@ -6505,24 +6604,15 @@
                     <a:lstStyle/>
                     <a:p>
                       <a:pPr algn="ctr"/>
-                      <a:endParaRPr lang="en-US" dirty="0"/>
-                    </a:p>
-                  </a:txBody>
-                  <a:tcPr/>
-                </a:tc>
-                <a:tc>
-                  <a:txBody>
-                    <a:bodyPr/>
-                    <a:lstStyle/>
-                    <a:p>
-                      <a:pPr algn="ctr"/>
-                      <a:endParaRPr lang="en-US" dirty="0"/>
-                    </a:p>
-                  </a:txBody>
-                  <a:tcPr/>
-                </a:tc>
-              </a:tr>
-              <a:tr h="370840">
+                      <a:r>
+                        <a:rPr lang="en-US" dirty="0" smtClean="0"/>
+                        <a:t>39</a:t>
+                      </a:r>
+                      <a:endParaRPr lang="en-US" dirty="0"/>
+                    </a:p>
+                  </a:txBody>
+                  <a:tcPr/>
+                </a:tc>
                 <a:tc>
                   <a:txBody>
                     <a:bodyPr/>
@@ -6533,172 +6623,6 @@
                         <a:rPr lang="en-US" dirty="0" smtClean="0"/>
                         <a:t>8</a:t>
                       </a:r>
-                      <a:endParaRPr lang="en-US" dirty="0"/>
-                    </a:p>
-                  </a:txBody>
-                  <a:tcPr/>
-                </a:tc>
-                <a:tc>
-                  <a:txBody>
-                    <a:bodyPr/>
-                    <a:lstStyle/>
-                    <a:p>
-                      <a:pPr algn="ctr"/>
-                      <a:endParaRPr lang="en-US" dirty="0"/>
-                    </a:p>
-                  </a:txBody>
-                  <a:tcPr/>
-                </a:tc>
-                <a:tc>
-                  <a:txBody>
-                    <a:bodyPr/>
-                    <a:lstStyle/>
-                    <a:p>
-                      <a:pPr algn="ctr"/>
-                      <a:endParaRPr lang="en-US" dirty="0"/>
-                    </a:p>
-                  </a:txBody>
-                  <a:tcPr/>
-                </a:tc>
-                <a:tc>
-                  <a:txBody>
-                    <a:bodyPr/>
-                    <a:lstStyle/>
-                    <a:p>
-                      <a:pPr algn="ctr"/>
-                      <a:endParaRPr lang="en-US" dirty="0"/>
-                    </a:p>
-                  </a:txBody>
-                  <a:tcPr/>
-                </a:tc>
-                <a:tc>
-                  <a:txBody>
-                    <a:bodyPr/>
-                    <a:lstStyle/>
-                    <a:p>
-                      <a:pPr algn="ctr"/>
-                      <a:endParaRPr lang="en-US" dirty="0"/>
-                    </a:p>
-                  </a:txBody>
-                  <a:tcPr/>
-                </a:tc>
-              </a:tr>
-              <a:tr h="370840">
-                <a:tc>
-                  <a:txBody>
-                    <a:bodyPr/>
-                    <a:lstStyle/>
-                    <a:p>
-                      <a:pPr algn="ctr"/>
-                      <a:r>
-                        <a:rPr lang="en-US" dirty="0" smtClean="0"/>
-                        <a:t>16</a:t>
-                      </a:r>
-                      <a:endParaRPr lang="en-US" dirty="0"/>
-                    </a:p>
-                  </a:txBody>
-                  <a:tcPr/>
-                </a:tc>
-                <a:tc>
-                  <a:txBody>
-                    <a:bodyPr/>
-                    <a:lstStyle/>
-                    <a:p>
-                      <a:pPr algn="ctr"/>
-                      <a:endParaRPr lang="en-US" dirty="0"/>
-                    </a:p>
-                  </a:txBody>
-                  <a:tcPr/>
-                </a:tc>
-                <a:tc>
-                  <a:txBody>
-                    <a:bodyPr/>
-                    <a:lstStyle/>
-                    <a:p>
-                      <a:pPr algn="ctr"/>
-                      <a:endParaRPr lang="en-US" dirty="0"/>
-                    </a:p>
-                  </a:txBody>
-                  <a:tcPr/>
-                </a:tc>
-                <a:tc>
-                  <a:txBody>
-                    <a:bodyPr/>
-                    <a:lstStyle/>
-                    <a:p>
-                      <a:pPr algn="ctr"/>
-                      <a:endParaRPr lang="en-US" dirty="0"/>
-                    </a:p>
-                  </a:txBody>
-                  <a:tcPr/>
-                </a:tc>
-                <a:tc>
-                  <a:txBody>
-                    <a:bodyPr/>
-                    <a:lstStyle/>
-                    <a:p>
-                      <a:pPr algn="ctr"/>
-                      <a:endParaRPr lang="en-US" dirty="0"/>
-                    </a:p>
-                  </a:txBody>
-                  <a:tcPr/>
-                </a:tc>
-              </a:tr>
-              <a:tr h="370840">
-                <a:tc>
-                  <a:txBody>
-                    <a:bodyPr/>
-                    <a:lstStyle/>
-                    <a:p>
-                      <a:pPr algn="ctr"/>
-                      <a:r>
-                        <a:rPr lang="en-US" dirty="0" smtClean="0"/>
-                        <a:t>32</a:t>
-                      </a:r>
-                      <a:endParaRPr lang="en-US" dirty="0"/>
-                    </a:p>
-                  </a:txBody>
-                  <a:tcPr/>
-                </a:tc>
-                <a:tc>
-                  <a:txBody>
-                    <a:bodyPr/>
-                    <a:lstStyle/>
-                    <a:p>
-                      <a:pPr algn="ctr"/>
-                      <a:endParaRPr lang="en-US" dirty="0"/>
-                    </a:p>
-                  </a:txBody>
-                  <a:tcPr/>
-                </a:tc>
-                <a:tc>
-                  <a:txBody>
-                    <a:bodyPr/>
-                    <a:lstStyle/>
-                    <a:p>
-                      <a:pPr algn="ctr"/>
-                      <a:endParaRPr lang="en-US" dirty="0"/>
-                    </a:p>
-                  </a:txBody>
-                  <a:tcPr/>
-                </a:tc>
-                <a:tc>
-                  <a:txBody>
-                    <a:bodyPr/>
-                    <a:lstStyle/>
-                    <a:p>
-                      <a:pPr algn="ctr"/>
-                      <a:endParaRPr lang="en-US" dirty="0"/>
-                    </a:p>
-                  </a:txBody>
-                  <a:tcPr/>
-                </a:tc>
-                <a:tc>
-                  <a:txBody>
-                    <a:bodyPr/>
-                    <a:lstStyle/>
-                    <a:p>
-                      <a:pPr algn="ctr"/>
                       <a:endParaRPr lang="en-US" dirty="0"/>
                     </a:p>
                   </a:txBody>
